--- a/PPT/09-Vuex详解.pptx
+++ b/PPT/09-Vuex详解.pptx
@@ -1394,7 +1394,7 @@
           <a:p>
             <a:fld id="{72D8E73B-0927-45CC-BC19-B5A752C4C781}" type="datetimeFigureOut">
               <a:rPr lang="zh-CN" altLang="en-US" smtClean="0"/>
-              <a:t>2018/10/29</a:t>
+              <a:t>2021/4/12</a:t>
             </a:fld>
             <a:endParaRPr lang="zh-CN" altLang="en-US"/>
           </a:p>

--- a/PPT/09-Vuex详解.pptx
+++ b/PPT/09-Vuex详解.pptx
@@ -1,41 +1,44 @@
 
 <file path=ppt/presentation.xml><?xml version="1.0" encoding="utf-8"?>
-<p:presentation xmlns:a="http://schemas.openxmlformats.org/drawingml/2006/main" xmlns:r="http://schemas.openxmlformats.org/officeDocument/2006/relationships" xmlns:p="http://schemas.openxmlformats.org/presentationml/2006/main" removePersonalInfoOnSave="1" saveSubsetFonts="1">
+<p:presentation xmlns:a="http://schemas.openxmlformats.org/drawingml/2006/main" xmlns:r="http://schemas.openxmlformats.org/officeDocument/2006/relationships" xmlns:p="http://schemas.openxmlformats.org/presentationml/2006/main" removePersonalInfoOnSave="1">
   <p:sldMasterIdLst>
-    <p:sldMasterId id="2147483664" r:id="rId1"/>
+    <p:sldMasterId id="2147483648" r:id="rId1"/>
   </p:sldMasterIdLst>
   <p:sldIdLst>
-    <p:sldId id="256" r:id="rId2"/>
-    <p:sldId id="258" r:id="rId3"/>
-    <p:sldId id="260" r:id="rId4"/>
-    <p:sldId id="261" r:id="rId5"/>
-    <p:sldId id="262" r:id="rId6"/>
-    <p:sldId id="263" r:id="rId7"/>
-    <p:sldId id="264" r:id="rId8"/>
-    <p:sldId id="265" r:id="rId9"/>
-    <p:sldId id="266" r:id="rId10"/>
-    <p:sldId id="267" r:id="rId11"/>
-    <p:sldId id="270" r:id="rId12"/>
-    <p:sldId id="268" r:id="rId13"/>
-    <p:sldId id="269" r:id="rId14"/>
-    <p:sldId id="271" r:id="rId15"/>
-    <p:sldId id="272" r:id="rId16"/>
-    <p:sldId id="273" r:id="rId17"/>
-    <p:sldId id="274" r:id="rId18"/>
-    <p:sldId id="275" r:id="rId19"/>
-    <p:sldId id="276" r:id="rId20"/>
-    <p:sldId id="277" r:id="rId21"/>
-    <p:sldId id="278" r:id="rId22"/>
-    <p:sldId id="279" r:id="rId23"/>
-    <p:sldId id="280" r:id="rId24"/>
-    <p:sldId id="281" r:id="rId25"/>
-    <p:sldId id="282" r:id="rId26"/>
-    <p:sldId id="283" r:id="rId27"/>
-    <p:sldId id="284" r:id="rId28"/>
-    <p:sldId id="285" r:id="rId29"/>
+    <p:sldId id="256" r:id="rId3"/>
+    <p:sldId id="258" r:id="rId4"/>
+    <p:sldId id="260" r:id="rId5"/>
+    <p:sldId id="261" r:id="rId6"/>
+    <p:sldId id="262" r:id="rId7"/>
+    <p:sldId id="263" r:id="rId8"/>
+    <p:sldId id="264" r:id="rId9"/>
+    <p:sldId id="265" r:id="rId10"/>
+    <p:sldId id="266" r:id="rId11"/>
+    <p:sldId id="267" r:id="rId12"/>
+    <p:sldId id="270" r:id="rId13"/>
+    <p:sldId id="268" r:id="rId14"/>
+    <p:sldId id="269" r:id="rId15"/>
+    <p:sldId id="271" r:id="rId16"/>
+    <p:sldId id="272" r:id="rId17"/>
+    <p:sldId id="273" r:id="rId18"/>
+    <p:sldId id="274" r:id="rId19"/>
+    <p:sldId id="275" r:id="rId20"/>
+    <p:sldId id="276" r:id="rId21"/>
+    <p:sldId id="277" r:id="rId22"/>
+    <p:sldId id="278" r:id="rId23"/>
+    <p:sldId id="279" r:id="rId24"/>
+    <p:sldId id="280" r:id="rId25"/>
+    <p:sldId id="281" r:id="rId26"/>
+    <p:sldId id="282" r:id="rId27"/>
+    <p:sldId id="283" r:id="rId28"/>
+    <p:sldId id="284" r:id="rId29"/>
+    <p:sldId id="285" r:id="rId30"/>
   </p:sldIdLst>
   <p:sldSz cx="12192000" cy="6858000"/>
   <p:notesSz cx="6858000" cy="9144000"/>
+  <p:custDataLst>
+    <p:tags r:id="rId34"/>
+  </p:custDataLst>
   <p:defaultTextStyle>
     <a:defPPr rtl="0">
       <a:defRPr lang="x-none"/>
@@ -204,23 +207,6 @@
         </p14:section>
       </p14:sectionLst>
     </p:ext>
-    <p:ext uri="{EFAFB233-063F-42B5-8137-9DF3F51BA10A}">
-      <p15:sldGuideLst xmlns:p15="http://schemas.microsoft.com/office/powerpoint/2012/main">
-        <p15:guide id="1" pos="3840">
-          <p15:clr>
-            <a:srgbClr val="A4A3A4"/>
-          </p15:clr>
-        </p15:guide>
-        <p15:guide id="2" orient="horz" pos="2160">
-          <p15:clr>
-            <a:srgbClr val="A4A3A4"/>
-          </p15:clr>
-        </p15:guide>
-      </p15:sldGuideLst>
-    </p:ext>
-    <p:ext uri="{2D200454-40CA-4A62-9FC3-DE9A4176ACB9}">
-      <p15:notesGuideLst xmlns:p15="http://schemas.microsoft.com/office/powerpoint/2012/main"/>
-    </p:ext>
   </p:extLst>
 </p:presentation>
 </file>
@@ -244,13 +230,7 @@
       </p:grpSpPr>
       <p:pic>
         <p:nvPicPr>
-          <p:cNvPr id="9" name="图片 6">
-            <a:extLst>
-              <a:ext uri="{FF2B5EF4-FFF2-40B4-BE49-F238E27FC236}">
-                <a16:creationId xmlns:a16="http://schemas.microsoft.com/office/drawing/2014/main" id="{F619AC0B-D093-4B29-BED5-E396B58FD119}"/>
-              </a:ext>
-            </a:extLst>
-          </p:cNvPr>
+          <p:cNvPr id="9" name="图片 6"/>
           <p:cNvPicPr>
             <a:picLocks noChangeAspect="1"/>
           </p:cNvPicPr>
@@ -278,13 +258,7 @@
       </p:pic>
       <p:pic>
         <p:nvPicPr>
-          <p:cNvPr id="10" name="图片 1">
-            <a:extLst>
-              <a:ext uri="{FF2B5EF4-FFF2-40B4-BE49-F238E27FC236}">
-                <a16:creationId xmlns:a16="http://schemas.microsoft.com/office/drawing/2014/main" id="{EC130C9D-3B92-4E92-AF34-4C37ACD51527}"/>
-              </a:ext>
-            </a:extLst>
-          </p:cNvPr>
+          <p:cNvPr id="10" name="图片 1"/>
           <p:cNvPicPr>
             <a:picLocks noChangeAspect="1"/>
           </p:cNvPicPr>
@@ -312,13 +286,7 @@
       </p:pic>
       <p:sp>
         <p:nvSpPr>
-          <p:cNvPr id="11" name="矩形 25">
-            <a:extLst>
-              <a:ext uri="{FF2B5EF4-FFF2-40B4-BE49-F238E27FC236}">
-                <a16:creationId xmlns:a16="http://schemas.microsoft.com/office/drawing/2014/main" id="{36BA4FD9-4EAF-40CB-91E3-48F885239803}"/>
-              </a:ext>
-            </a:extLst>
-          </p:cNvPr>
+          <p:cNvPr id="11" name="矩形 25"/>
           <p:cNvSpPr/>
           <p:nvPr/>
         </p:nvSpPr>
@@ -384,13 +352,7 @@
       </p:sp>
       <p:sp>
         <p:nvSpPr>
-          <p:cNvPr id="5" name="标题 1">
-            <a:extLst>
-              <a:ext uri="{FF2B5EF4-FFF2-40B4-BE49-F238E27FC236}">
-                <a16:creationId xmlns:a16="http://schemas.microsoft.com/office/drawing/2014/main" id="{E772C4B5-AB4E-43B0-B717-25071084FD9A}"/>
-              </a:ext>
-            </a:extLst>
-          </p:cNvPr>
+          <p:cNvPr id="5" name="标题 1"/>
           <p:cNvSpPr>
             <a:spLocks noGrp="1"/>
           </p:cNvSpPr>
@@ -421,18 +383,13 @@
               <a:rPr lang="zh-CN" altLang="en-US"/>
               <a:t>单击此处编辑母版标题样式</a:t>
             </a:r>
+            <a:endParaRPr lang="zh-CN" altLang="en-US"/>
           </a:p>
         </p:txBody>
       </p:sp>
       <p:sp>
         <p:nvSpPr>
-          <p:cNvPr id="6" name="副标题 2">
-            <a:extLst>
-              <a:ext uri="{FF2B5EF4-FFF2-40B4-BE49-F238E27FC236}">
-                <a16:creationId xmlns:a16="http://schemas.microsoft.com/office/drawing/2014/main" id="{B401CC44-47BA-4904-A587-245165E74651}"/>
-              </a:ext>
-            </a:extLst>
-          </p:cNvPr>
+          <p:cNvPr id="6" name="副标题 2"/>
           <p:cNvSpPr>
             <a:spLocks noGrp="1"/>
           </p:cNvSpPr>
@@ -502,26 +459,22 @@
               <a:rPr lang="zh-CN" altLang="en-US"/>
               <a:t>单击此处编辑母版副标题样式</a:t>
             </a:r>
+            <a:endParaRPr lang="zh-CN" altLang="en-US"/>
           </a:p>
         </p:txBody>
       </p:sp>
     </p:spTree>
-    <p:extLst>
-      <p:ext uri="{BB962C8B-B14F-4D97-AF65-F5344CB8AC3E}">
-        <p14:creationId xmlns:p14="http://schemas.microsoft.com/office/powerpoint/2010/main" val="772231516"/>
-      </p:ext>
-    </p:extLst>
   </p:cSld>
   <p:clrMapOvr>
     <a:masterClrMapping/>
   </p:clrMapOvr>
-  <mc:AlternateContent xmlns:mc="http://schemas.openxmlformats.org/markup-compatibility/2006" xmlns:p14="http://schemas.microsoft.com/office/powerpoint/2010/main">
-    <mc:Choice Requires="p14">
+  <mc:AlternateContent xmlns:mc="http://schemas.openxmlformats.org/markup-compatibility/2006">
+    <mc:Choice xmlns:p14="http://schemas.microsoft.com/office/powerpoint/2010/main" Requires="p14">
       <p:transition spd="med" p14:dur="700">
         <p:fade/>
       </p:transition>
     </mc:Choice>
-    <mc:Fallback xmlns="">
+    <mc:Fallback>
       <p:transition spd="med">
         <p:fade/>
       </p:transition>
@@ -549,13 +502,7 @@
       </p:grpSpPr>
       <p:pic>
         <p:nvPicPr>
-          <p:cNvPr id="9" name="图片 5">
-            <a:extLst>
-              <a:ext uri="{FF2B5EF4-FFF2-40B4-BE49-F238E27FC236}">
-                <a16:creationId xmlns:a16="http://schemas.microsoft.com/office/drawing/2014/main" id="{F612FBBA-ABAE-4812-AAB2-77CA48D54191}"/>
-              </a:ext>
-            </a:extLst>
-          </p:cNvPr>
+          <p:cNvPr id="9" name="图片 5"/>
           <p:cNvPicPr>
             <a:picLocks noChangeAspect="1"/>
           </p:cNvPicPr>
@@ -583,13 +530,7 @@
       </p:pic>
       <p:sp>
         <p:nvSpPr>
-          <p:cNvPr id="11" name="矩形 29">
-            <a:extLst>
-              <a:ext uri="{FF2B5EF4-FFF2-40B4-BE49-F238E27FC236}">
-                <a16:creationId xmlns:a16="http://schemas.microsoft.com/office/drawing/2014/main" id="{89038A74-5A1B-45B4-AA7D-C9934D2FDABC}"/>
-              </a:ext>
-            </a:extLst>
-          </p:cNvPr>
+          <p:cNvPr id="11" name="矩形 29"/>
           <p:cNvSpPr/>
           <p:nvPr/>
         </p:nvSpPr>
@@ -628,13 +569,7 @@
       </p:sp>
       <p:pic>
         <p:nvPicPr>
-          <p:cNvPr id="12" name="图片 1">
-            <a:extLst>
-              <a:ext uri="{FF2B5EF4-FFF2-40B4-BE49-F238E27FC236}">
-                <a16:creationId xmlns:a16="http://schemas.microsoft.com/office/drawing/2014/main" id="{DB3FFE7C-0303-4D2A-9F24-474FCCD761CB}"/>
-              </a:ext>
-            </a:extLst>
-          </p:cNvPr>
+          <p:cNvPr id="12" name="图片 1"/>
           <p:cNvPicPr>
             <a:picLocks noChangeAspect="1"/>
           </p:cNvPicPr>
@@ -662,13 +597,7 @@
       </p:pic>
       <p:sp>
         <p:nvSpPr>
-          <p:cNvPr id="8" name="标题占位符 1">
-            <a:extLst>
-              <a:ext uri="{FF2B5EF4-FFF2-40B4-BE49-F238E27FC236}">
-                <a16:creationId xmlns:a16="http://schemas.microsoft.com/office/drawing/2014/main" id="{F3C067B8-78E3-4D7C-B8BF-D55591977898}"/>
-              </a:ext>
-            </a:extLst>
-          </p:cNvPr>
+          <p:cNvPr id="8" name="标题占位符 1"/>
           <p:cNvSpPr>
             <a:spLocks noGrp="1"/>
           </p:cNvSpPr>
@@ -709,18 +638,13 @@
               <a:rPr lang="zh-CN" altLang="en-US"/>
               <a:t>单击此处编辑母版标题样式</a:t>
             </a:r>
+            <a:endParaRPr lang="zh-CN" altLang="en-US"/>
           </a:p>
         </p:txBody>
       </p:sp>
       <p:sp>
         <p:nvSpPr>
-          <p:cNvPr id="13" name="内容占位符 2">
-            <a:extLst>
-              <a:ext uri="{FF2B5EF4-FFF2-40B4-BE49-F238E27FC236}">
-                <a16:creationId xmlns:a16="http://schemas.microsoft.com/office/drawing/2014/main" id="{E8B5E84D-8FAC-4FA6-9CA7-55579F675DFC}"/>
-              </a:ext>
-            </a:extLst>
-          </p:cNvPr>
+          <p:cNvPr id="13" name="内容占位符 2"/>
           <p:cNvSpPr>
             <a:spLocks noGrp="1"/>
           </p:cNvSpPr>
@@ -831,6 +755,7 @@
               <a:rPr lang="zh-CN" altLang="en-US"/>
               <a:t>编辑版文本样式</a:t>
             </a:r>
+            <a:endParaRPr lang="zh-CN" altLang="en-US"/>
           </a:p>
           <a:p>
             <a:pPr lvl="1"/>
@@ -838,6 +763,7 @@
               <a:rPr lang="zh-CN" altLang="en-US"/>
               <a:t>第二级</a:t>
             </a:r>
+            <a:endParaRPr lang="zh-CN" altLang="en-US"/>
           </a:p>
           <a:p>
             <a:pPr lvl="2"/>
@@ -845,6 +771,7 @@
               <a:rPr lang="zh-CN" altLang="en-US"/>
               <a:t>第三级</a:t>
             </a:r>
+            <a:endParaRPr lang="zh-CN" altLang="en-US"/>
           </a:p>
           <a:p>
             <a:pPr lvl="3"/>
@@ -852,6 +779,7 @@
               <a:rPr lang="zh-CN" altLang="en-US"/>
               <a:t>第四级</a:t>
             </a:r>
+            <a:endParaRPr lang="zh-CN" altLang="en-US"/>
           </a:p>
           <a:p>
             <a:pPr lvl="4"/>
@@ -859,19 +787,27 @@
               <a:rPr lang="zh-CN" altLang="en-US"/>
               <a:t>第五级</a:t>
             </a:r>
+            <a:endParaRPr lang="zh-CN" altLang="en-US"/>
           </a:p>
         </p:txBody>
       </p:sp>
     </p:spTree>
-    <p:extLst>
-      <p:ext uri="{BB962C8B-B14F-4D97-AF65-F5344CB8AC3E}">
-        <p14:creationId xmlns:p14="http://schemas.microsoft.com/office/powerpoint/2010/main" val="1651410591"/>
-      </p:ext>
-    </p:extLst>
   </p:cSld>
   <p:clrMapOvr>
     <a:masterClrMapping/>
   </p:clrMapOvr>
+  <mc:AlternateContent xmlns:mc="http://schemas.openxmlformats.org/markup-compatibility/2006">
+    <mc:Choice xmlns:p14="http://schemas.microsoft.com/office/powerpoint/2010/main" Requires="p14">
+      <p:transition spd="med" p14:dur="700">
+        <p:fade/>
+      </p:transition>
+    </mc:Choice>
+    <mc:Fallback>
+      <p:transition spd="med">
+        <p:fade/>
+      </p:transition>
+    </mc:Fallback>
+  </mc:AlternateContent>
 </p:sldLayout>
 </file>
 
@@ -894,13 +830,7 @@
       </p:grpSpPr>
       <p:sp>
         <p:nvSpPr>
-          <p:cNvPr id="9" name="矩形 29">
-            <a:extLst>
-              <a:ext uri="{FF2B5EF4-FFF2-40B4-BE49-F238E27FC236}">
-                <a16:creationId xmlns:a16="http://schemas.microsoft.com/office/drawing/2014/main" id="{89038A74-5A1B-45B4-AA7D-C9934D2FDABC}"/>
-              </a:ext>
-            </a:extLst>
-          </p:cNvPr>
+          <p:cNvPr id="9" name="矩形 29"/>
           <p:cNvSpPr/>
           <p:nvPr userDrawn="1"/>
         </p:nvSpPr>
@@ -939,13 +869,7 @@
       </p:sp>
       <p:pic>
         <p:nvPicPr>
-          <p:cNvPr id="6" name="图片 5">
-            <a:extLst>
-              <a:ext uri="{FF2B5EF4-FFF2-40B4-BE49-F238E27FC236}">
-                <a16:creationId xmlns:a16="http://schemas.microsoft.com/office/drawing/2014/main" id="{F612FBBA-ABAE-4812-AAB2-77CA48D54191}"/>
-              </a:ext>
-            </a:extLst>
-          </p:cNvPr>
+          <p:cNvPr id="6" name="图片 5"/>
           <p:cNvPicPr>
             <a:picLocks noChangeAspect="1"/>
           </p:cNvPicPr>
@@ -973,13 +897,7 @@
       </p:pic>
       <p:sp>
         <p:nvSpPr>
-          <p:cNvPr id="8" name="标题 1">
-            <a:extLst>
-              <a:ext uri="{FF2B5EF4-FFF2-40B4-BE49-F238E27FC236}">
-                <a16:creationId xmlns:a16="http://schemas.microsoft.com/office/drawing/2014/main" id="{117812DE-2261-4EEB-B37C-43174850D8A0}"/>
-              </a:ext>
-            </a:extLst>
-          </p:cNvPr>
+          <p:cNvPr id="8" name="标题 1"/>
           <p:cNvSpPr>
             <a:spLocks noGrp="1"/>
           </p:cNvSpPr>
@@ -1013,23 +931,18 @@
               <a:rPr lang="zh-CN" altLang="en-US"/>
               <a:t>单击此处编辑母版标题样式</a:t>
             </a:r>
+            <a:endParaRPr lang="zh-CN" altLang="en-US"/>
           </a:p>
         </p:txBody>
       </p:sp>
       <p:sp>
         <p:nvSpPr>
-          <p:cNvPr id="11" name="内容占位符 2">
-            <a:extLst>
-              <a:ext uri="{FF2B5EF4-FFF2-40B4-BE49-F238E27FC236}">
-                <a16:creationId xmlns:a16="http://schemas.microsoft.com/office/drawing/2014/main" id="{E073142E-40B2-48F2-8871-6E362D4D6D61}"/>
-              </a:ext>
-            </a:extLst>
-          </p:cNvPr>
+          <p:cNvPr id="11" name="内容占位符 2"/>
           <p:cNvSpPr>
             <a:spLocks noGrp="1"/>
           </p:cNvSpPr>
           <p:nvPr>
-            <p:ph idx="1"/>
+            <p:ph idx="1" hasCustomPrompt="1"/>
           </p:nvPr>
         </p:nvSpPr>
         <p:spPr>
@@ -1106,7 +1019,7 @@
                 <a:ea typeface="微软雅黑" panose="020B0503020204020204" pitchFamily="34" charset="-122"/>
               </a:defRPr>
             </a:lvl3pPr>
-            <a:lvl4pPr marL="1260000" indent="-228600">
+            <a:lvl4pPr marL="1259840" indent="-228600">
               <a:lnSpc>
                 <a:spcPct val="150000"/>
               </a:lnSpc>
@@ -1127,7 +1040,7 @@
                 <a:ea typeface="微软雅黑" panose="020B0503020204020204" pitchFamily="34" charset="-122"/>
               </a:defRPr>
             </a:lvl4pPr>
-            <a:lvl5pPr marL="1620000" indent="-228600">
+            <a:lvl5pPr marL="1619885" indent="-228600">
               <a:lnSpc>
                 <a:spcPct val="150000"/>
               </a:lnSpc>
@@ -1154,6 +1067,7 @@
               <a:rPr lang="zh-CN" altLang="en-US"/>
               <a:t>编辑母版文本样式</a:t>
             </a:r>
+            <a:endParaRPr lang="zh-CN" altLang="en-US"/>
           </a:p>
           <a:p>
             <a:pPr lvl="1"/>
@@ -1161,6 +1075,7 @@
               <a:rPr lang="zh-CN" altLang="en-US"/>
               <a:t>第二级</a:t>
             </a:r>
+            <a:endParaRPr lang="zh-CN" altLang="en-US"/>
           </a:p>
           <a:p>
             <a:pPr lvl="2"/>
@@ -1168,6 +1083,7 @@
               <a:rPr lang="zh-CN" altLang="en-US"/>
               <a:t>第三级</a:t>
             </a:r>
+            <a:endParaRPr lang="zh-CN" altLang="en-US"/>
           </a:p>
           <a:p>
             <a:pPr lvl="3"/>
@@ -1175,6 +1091,7 @@
               <a:rPr lang="zh-CN" altLang="en-US"/>
               <a:t>第四级</a:t>
             </a:r>
+            <a:endParaRPr lang="zh-CN" altLang="en-US"/>
           </a:p>
           <a:p>
             <a:pPr lvl="4"/>
@@ -1182,18 +1099,13 @@
               <a:rPr lang="zh-CN" altLang="en-US"/>
               <a:t>第五级</a:t>
             </a:r>
+            <a:endParaRPr lang="zh-CN" altLang="en-US"/>
           </a:p>
         </p:txBody>
       </p:sp>
       <p:pic>
         <p:nvPicPr>
-          <p:cNvPr id="12" name="图片 11">
-            <a:extLst>
-              <a:ext uri="{FF2B5EF4-FFF2-40B4-BE49-F238E27FC236}">
-                <a16:creationId xmlns:a16="http://schemas.microsoft.com/office/drawing/2014/main" id="{DB3FFE7C-0303-4D2A-9F24-474FCCD761CB}"/>
-              </a:ext>
-            </a:extLst>
-          </p:cNvPr>
+          <p:cNvPr id="12" name="图片 11"/>
           <p:cNvPicPr>
             <a:picLocks noChangeAspect="1"/>
           </p:cNvPicPr>
@@ -1220,22 +1132,17 @@
         </p:spPr>
       </p:pic>
     </p:spTree>
-    <p:extLst>
-      <p:ext uri="{BB962C8B-B14F-4D97-AF65-F5344CB8AC3E}">
-        <p14:creationId xmlns:p14="http://schemas.microsoft.com/office/powerpoint/2010/main" val="1179149109"/>
-      </p:ext>
-    </p:extLst>
   </p:cSld>
   <p:clrMapOvr>
     <a:masterClrMapping/>
   </p:clrMapOvr>
-  <mc:AlternateContent xmlns:mc="http://schemas.openxmlformats.org/markup-compatibility/2006" xmlns:p14="http://schemas.microsoft.com/office/powerpoint/2010/main">
-    <mc:Choice Requires="p14">
+  <mc:AlternateContent xmlns:mc="http://schemas.openxmlformats.org/markup-compatibility/2006">
+    <mc:Choice xmlns:p14="http://schemas.microsoft.com/office/powerpoint/2010/main" Requires="p14">
       <p:transition spd="med" p14:dur="700">
         <p:fade/>
       </p:transition>
     </mc:Choice>
-    <mc:Fallback xmlns="">
+    <mc:Fallback>
       <p:transition spd="med">
         <p:fade/>
       </p:transition>
@@ -1295,6 +1202,7 @@
               <a:rPr lang="zh-CN" altLang="en-US"/>
               <a:t>单击此处编辑母版标题样式</a:t>
             </a:r>
+            <a:endParaRPr lang="zh-CN" altLang="en-US"/>
           </a:p>
         </p:txBody>
       </p:sp>
@@ -1328,6 +1236,7 @@
               <a:rPr lang="zh-CN" altLang="en-US"/>
               <a:t>单击此处编辑母版文本样式</a:t>
             </a:r>
+            <a:endParaRPr lang="zh-CN" altLang="en-US"/>
           </a:p>
           <a:p>
             <a:pPr lvl="1"/>
@@ -1335,6 +1244,7 @@
               <a:rPr lang="zh-CN" altLang="en-US"/>
               <a:t>第二级</a:t>
             </a:r>
+            <a:endParaRPr lang="zh-CN" altLang="en-US"/>
           </a:p>
           <a:p>
             <a:pPr lvl="2"/>
@@ -1342,6 +1252,7 @@
               <a:rPr lang="zh-CN" altLang="en-US"/>
               <a:t>第三级</a:t>
             </a:r>
+            <a:endParaRPr lang="zh-CN" altLang="en-US"/>
           </a:p>
           <a:p>
             <a:pPr lvl="3"/>
@@ -1349,6 +1260,7 @@
               <a:rPr lang="zh-CN" altLang="en-US"/>
               <a:t>第四级</a:t>
             </a:r>
+            <a:endParaRPr lang="zh-CN" altLang="en-US"/>
           </a:p>
           <a:p>
             <a:pPr lvl="4"/>
@@ -1356,6 +1268,7 @@
               <a:rPr lang="zh-CN" altLang="en-US"/>
               <a:t>第五级</a:t>
             </a:r>
+            <a:endParaRPr lang="zh-CN" altLang="en-US"/>
           </a:p>
         </p:txBody>
       </p:sp>
@@ -1394,7 +1307,6 @@
           <a:p>
             <a:fld id="{72D8E73B-0927-45CC-BC19-B5A752C4C781}" type="datetimeFigureOut">
               <a:rPr lang="zh-CN" altLang="en-US" smtClean="0"/>
-              <a:t>2021/4/12</a:t>
             </a:fld>
             <a:endParaRPr lang="zh-CN" altLang="en-US"/>
           </a:p>
@@ -1472,32 +1384,26 @@
           <a:p>
             <a:fld id="{30811428-941F-4F39-9F0C-B1B29E093D2F}" type="slidenum">
               <a:rPr lang="zh-CN" altLang="en-US" smtClean="0"/>
-              <a:t>‹#›</a:t>
             </a:fld>
             <a:endParaRPr lang="zh-CN" altLang="en-US"/>
           </a:p>
         </p:txBody>
       </p:sp>
     </p:spTree>
-    <p:extLst>
-      <p:ext uri="{BB962C8B-B14F-4D97-AF65-F5344CB8AC3E}">
-        <p14:creationId xmlns:p14="http://schemas.microsoft.com/office/powerpoint/2010/main" val="276419311"/>
-      </p:ext>
-    </p:extLst>
   </p:cSld>
   <p:clrMap bg1="lt1" tx1="dk1" bg2="lt2" tx2="dk2" accent1="accent1" accent2="accent2" accent3="accent3" accent4="accent4" accent5="accent5" accent6="accent6" hlink="hlink" folHlink="folHlink"/>
   <p:sldLayoutIdLst>
-    <p:sldLayoutId id="2147483665" r:id="rId1"/>
-    <p:sldLayoutId id="2147483666" r:id="rId2"/>
-    <p:sldLayoutId id="2147483667" r:id="rId3"/>
+    <p:sldLayoutId id="2147483649" r:id="rId1"/>
+    <p:sldLayoutId id="2147483650" r:id="rId2"/>
+    <p:sldLayoutId id="2147483651" r:id="rId3"/>
   </p:sldLayoutIdLst>
-  <mc:AlternateContent xmlns:mc="http://schemas.openxmlformats.org/markup-compatibility/2006" xmlns:p14="http://schemas.microsoft.com/office/powerpoint/2010/main">
-    <mc:Choice Requires="p14">
+  <mc:AlternateContent xmlns:mc="http://schemas.openxmlformats.org/markup-compatibility/2006">
+    <mc:Choice xmlns:p14="http://schemas.microsoft.com/office/powerpoint/2010/main" Requires="p14">
       <p:transition spd="med" p14:dur="700">
         <p:fade/>
       </p:transition>
     </mc:Choice>
-    <mc:Fallback xmlns="">
+    <mc:Fallback>
       <p:transition spd="med">
         <p:fade/>
       </p:transition>
@@ -1783,11 +1689,6 @@
       </a:lvl9pPr>
     </p:otherStyle>
   </p:txStyles>
-  <p:extLst>
-    <p:ext uri="{27BBF7A9-308A-43DC-89C8-2F10F3537804}">
-      <p15:sldGuideLst xmlns:p15="http://schemas.microsoft.com/office/powerpoint/2012/main"/>
-    </p:ext>
-  </p:extLst>
 </p:sldMaster>
 </file>
 
@@ -1810,13 +1711,7 @@
       </p:grpSpPr>
       <p:sp>
         <p:nvSpPr>
-          <p:cNvPr id="2" name="标题 1">
-            <a:extLst>
-              <a:ext uri="{FF2B5EF4-FFF2-40B4-BE49-F238E27FC236}">
-                <a16:creationId xmlns:a16="http://schemas.microsoft.com/office/drawing/2014/main" id="{673CF653-C0F7-41AC-8EF3-E11B7FC20607}"/>
-              </a:ext>
-            </a:extLst>
-          </p:cNvPr>
+          <p:cNvPr id="2" name="标题 1"/>
           <p:cNvSpPr>
             <a:spLocks noGrp="1"/>
           </p:cNvSpPr>
@@ -1839,18 +1734,13 @@
               <a:rPr lang="zh-CN" altLang="en-US"/>
               <a:t>详解</a:t>
             </a:r>
+            <a:endParaRPr lang="zh-CN" altLang="en-US"/>
           </a:p>
         </p:txBody>
       </p:sp>
       <p:sp>
         <p:nvSpPr>
-          <p:cNvPr id="3" name="副标题 2">
-            <a:extLst>
-              <a:ext uri="{FF2B5EF4-FFF2-40B4-BE49-F238E27FC236}">
-                <a16:creationId xmlns:a16="http://schemas.microsoft.com/office/drawing/2014/main" id="{BBA8826F-91D4-4EE8-B31C-F22D54C01C4E}"/>
-              </a:ext>
-            </a:extLst>
-          </p:cNvPr>
+          <p:cNvPr id="3" name="副标题 2"/>
           <p:cNvSpPr>
             <a:spLocks noGrp="1"/>
           </p:cNvSpPr>
@@ -1890,6 +1780,7 @@
               <a:rPr lang="en-US" altLang="zh-CN"/>
               <a:t>: coderwhy</a:t>
             </a:r>
+            <a:endParaRPr lang="en-US" altLang="zh-CN"/>
           </a:p>
           <a:p>
             <a:pPr>
@@ -1910,22 +1801,17 @@
         </p:txBody>
       </p:sp>
     </p:spTree>
-    <p:extLst>
-      <p:ext uri="{BB962C8B-B14F-4D97-AF65-F5344CB8AC3E}">
-        <p14:creationId xmlns:p14="http://schemas.microsoft.com/office/powerpoint/2010/main" val="3578756577"/>
-      </p:ext>
-    </p:extLst>
   </p:cSld>
   <p:clrMapOvr>
     <a:masterClrMapping/>
   </p:clrMapOvr>
-  <mc:AlternateContent xmlns:mc="http://schemas.openxmlformats.org/markup-compatibility/2006" xmlns:p14="http://schemas.microsoft.com/office/powerpoint/2010/main">
-    <mc:Choice Requires="p14">
+  <mc:AlternateContent xmlns:mc="http://schemas.openxmlformats.org/markup-compatibility/2006">
+    <mc:Choice xmlns:p14="http://schemas.microsoft.com/office/powerpoint/2010/main" Requires="p14">
       <p:transition spd="med" p14:dur="700">
         <p:fade/>
       </p:transition>
     </mc:Choice>
-    <mc:Fallback xmlns="">
+    <mc:Fallback>
       <p:transition spd="med">
         <p:fade/>
       </p:transition>
@@ -1953,13 +1839,7 @@
       </p:grpSpPr>
       <p:sp>
         <p:nvSpPr>
-          <p:cNvPr id="2" name="标题 1">
-            <a:extLst>
-              <a:ext uri="{FF2B5EF4-FFF2-40B4-BE49-F238E27FC236}">
-                <a16:creationId xmlns:a16="http://schemas.microsoft.com/office/drawing/2014/main" id="{1E52F816-0CDA-45B2-B7FE-CF311123BCAF}"/>
-              </a:ext>
-            </a:extLst>
-          </p:cNvPr>
+          <p:cNvPr id="2" name="标题 1"/>
           <p:cNvSpPr>
             <a:spLocks noGrp="1"/>
           </p:cNvSpPr>
@@ -1994,13 +1874,7 @@
       </p:sp>
       <p:sp>
         <p:nvSpPr>
-          <p:cNvPr id="3" name="内容占位符 2">
-            <a:extLst>
-              <a:ext uri="{FF2B5EF4-FFF2-40B4-BE49-F238E27FC236}">
-                <a16:creationId xmlns:a16="http://schemas.microsoft.com/office/drawing/2014/main" id="{918D5FBC-CA69-4D6E-9274-96973A70DBA5}"/>
-              </a:ext>
-            </a:extLst>
-          </p:cNvPr>
+          <p:cNvPr id="3" name="内容占位符 2"/>
           <p:cNvSpPr>
             <a:spLocks noGrp="1"/>
           </p:cNvSpPr>
@@ -2037,12 +1911,14 @@
               <a:rPr lang="zh-CN" altLang="en-US"/>
               <a:t>最简单的方式了。</a:t>
             </a:r>
+            <a:endParaRPr lang="zh-CN" altLang="en-US"/>
           </a:p>
           <a:p>
             <a:r>
               <a:rPr lang="zh-CN" altLang="en-US"/>
               <a:t>我们来对使用步骤，做一个简单的小节：</a:t>
             </a:r>
+            <a:endParaRPr lang="zh-CN" altLang="en-US"/>
           </a:p>
           <a:p>
             <a:pPr lvl="1"/>
@@ -2062,6 +1938,7 @@
               <a:rPr lang="zh-CN" altLang="en-US"/>
               <a:t>对象，用于保存在多个组件中共享的状态</a:t>
             </a:r>
+            <a:endParaRPr lang="zh-CN" altLang="en-US"/>
           </a:p>
           <a:p>
             <a:pPr lvl="1"/>
@@ -2089,6 +1966,7 @@
               <a:rPr lang="zh-CN" altLang="en-US"/>
               <a:t>对象中，这样可以保证在所有的组件中都可以使用到</a:t>
             </a:r>
+            <a:endParaRPr lang="zh-CN" altLang="en-US"/>
           </a:p>
           <a:p>
             <a:pPr lvl="1"/>
@@ -2108,6 +1986,7 @@
               <a:rPr lang="zh-CN" altLang="en-US"/>
               <a:t>对象中保存的状态即可</a:t>
             </a:r>
+            <a:endParaRPr lang="zh-CN" altLang="en-US"/>
           </a:p>
           <a:p>
             <a:pPr lvl="2"/>
@@ -2123,6 +2002,7 @@
               <a:rPr lang="zh-CN" altLang="en-US"/>
               <a:t>属性的方式来访问状态</a:t>
             </a:r>
+            <a:endParaRPr lang="zh-CN" altLang="en-US"/>
           </a:p>
           <a:p>
             <a:pPr lvl="2"/>
@@ -2146,12 +2026,14 @@
               <a:rPr lang="zh-CN" altLang="en-US"/>
               <a:t>来修改状态</a:t>
             </a:r>
+            <a:endParaRPr lang="zh-CN" altLang="en-US"/>
           </a:p>
           <a:p>
             <a:r>
               <a:rPr lang="zh-CN" altLang="en-US"/>
               <a:t>注意事项：</a:t>
             </a:r>
+            <a:endParaRPr lang="zh-CN" altLang="en-US"/>
           </a:p>
           <a:p>
             <a:pPr lvl="1"/>
@@ -2175,6 +2057,7 @@
               <a:rPr lang="zh-CN" altLang="en-US"/>
               <a:t>。</a:t>
             </a:r>
+            <a:endParaRPr lang="zh-CN" altLang="en-US"/>
           </a:p>
           <a:p>
             <a:pPr lvl="1"/>
@@ -2198,6 +2081,7 @@
               <a:rPr lang="zh-CN" altLang="en-US"/>
               <a:t>的值。</a:t>
             </a:r>
+            <a:endParaRPr lang="zh-CN" altLang="en-US"/>
           </a:p>
           <a:p>
             <a:endParaRPr lang="zh-CN" altLang="en-US"/>
@@ -2206,20 +2090,14 @@
       </p:sp>
       <p:pic>
         <p:nvPicPr>
-          <p:cNvPr id="5" name="图片 4">
-            <a:extLst>
-              <a:ext uri="{FF2B5EF4-FFF2-40B4-BE49-F238E27FC236}">
-                <a16:creationId xmlns:a16="http://schemas.microsoft.com/office/drawing/2014/main" id="{F300C395-07CF-420E-99D4-CAD19D45AB72}"/>
-              </a:ext>
-            </a:extLst>
-          </p:cNvPr>
+          <p:cNvPr id="5" name="图片 4"/>
           <p:cNvPicPr>
             <a:picLocks noChangeAspect="1"/>
           </p:cNvPicPr>
           <p:nvPr/>
         </p:nvPicPr>
         <p:blipFill>
-          <a:blip r:embed="rId2"/>
+          <a:blip r:embed="rId1"/>
           <a:stretch>
             <a:fillRect/>
           </a:stretch>
@@ -2235,22 +2113,17 @@
         </p:spPr>
       </p:pic>
     </p:spTree>
-    <p:extLst>
-      <p:ext uri="{BB962C8B-B14F-4D97-AF65-F5344CB8AC3E}">
-        <p14:creationId xmlns:p14="http://schemas.microsoft.com/office/powerpoint/2010/main" val="925218099"/>
-      </p:ext>
-    </p:extLst>
   </p:cSld>
   <p:clrMapOvr>
     <a:masterClrMapping/>
   </p:clrMapOvr>
-  <mc:AlternateContent xmlns:mc="http://schemas.openxmlformats.org/markup-compatibility/2006" xmlns:p14="http://schemas.microsoft.com/office/powerpoint/2010/main">
-    <mc:Choice Requires="p14">
+  <mc:AlternateContent xmlns:mc="http://schemas.openxmlformats.org/markup-compatibility/2006">
+    <mc:Choice xmlns:p14="http://schemas.microsoft.com/office/powerpoint/2010/main" Requires="p14">
       <p:transition spd="med" p14:dur="700">
         <p:fade/>
       </p:transition>
     </mc:Choice>
-    <mc:Fallback xmlns="">
+    <mc:Fallback>
       <p:transition spd="med">
         <p:fade/>
       </p:transition>
@@ -2756,13 +2629,7 @@
       </p:grpSpPr>
       <p:sp>
         <p:nvSpPr>
-          <p:cNvPr id="2" name="标题 1">
-            <a:extLst>
-              <a:ext uri="{FF2B5EF4-FFF2-40B4-BE49-F238E27FC236}">
-                <a16:creationId xmlns:a16="http://schemas.microsoft.com/office/drawing/2014/main" id="{5FC70810-5089-41D5-AE45-DB2A769D65D7}"/>
-              </a:ext>
-            </a:extLst>
-          </p:cNvPr>
+          <p:cNvPr id="2" name="标题 1"/>
           <p:cNvSpPr>
             <a:spLocks noGrp="1"/>
           </p:cNvSpPr>
@@ -2783,18 +2650,13 @@
               <a:rPr lang="zh-CN" altLang="en-US"/>
               <a:t>核心概念</a:t>
             </a:r>
+            <a:endParaRPr lang="zh-CN" altLang="en-US"/>
           </a:p>
         </p:txBody>
       </p:sp>
       <p:sp>
         <p:nvSpPr>
-          <p:cNvPr id="3" name="内容占位符 2">
-            <a:extLst>
-              <a:ext uri="{FF2B5EF4-FFF2-40B4-BE49-F238E27FC236}">
-                <a16:creationId xmlns:a16="http://schemas.microsoft.com/office/drawing/2014/main" id="{2B26D34B-A279-43EE-B9F7-7F7488FB1BB9}"/>
-              </a:ext>
-            </a:extLst>
-          </p:cNvPr>
+          <p:cNvPr id="3" name="内容占位符 2"/>
           <p:cNvSpPr>
             <a:spLocks noGrp="1"/>
           </p:cNvSpPr>
@@ -2819,6 +2681,7 @@
               <a:rPr lang="en-US" altLang="zh-CN"/>
               <a:t>:</a:t>
             </a:r>
+            <a:endParaRPr lang="en-US" altLang="zh-CN"/>
           </a:p>
           <a:p>
             <a:pPr lvl="1"/>
@@ -2826,6 +2689,7 @@
               <a:rPr lang="en-US" altLang="zh-CN"/>
               <a:t>State</a:t>
             </a:r>
+            <a:endParaRPr lang="en-US" altLang="zh-CN"/>
           </a:p>
           <a:p>
             <a:pPr lvl="1"/>
@@ -2833,6 +2697,7 @@
               <a:rPr lang="en-US" altLang="zh-CN"/>
               <a:t>Getters</a:t>
             </a:r>
+            <a:endParaRPr lang="en-US" altLang="zh-CN"/>
           </a:p>
           <a:p>
             <a:pPr lvl="1"/>
@@ -2840,6 +2705,7 @@
               <a:rPr lang="en-US" altLang="zh-CN"/>
               <a:t>Mutation</a:t>
             </a:r>
+            <a:endParaRPr lang="en-US" altLang="zh-CN"/>
           </a:p>
           <a:p>
             <a:pPr lvl="1"/>
@@ -2847,6 +2713,7 @@
               <a:rPr lang="en-US" altLang="zh-CN"/>
               <a:t>Action</a:t>
             </a:r>
+            <a:endParaRPr lang="en-US" altLang="zh-CN"/>
           </a:p>
           <a:p>
             <a:pPr lvl="1"/>
@@ -2854,6 +2721,7 @@
               <a:rPr lang="en-US" altLang="zh-CN"/>
               <a:t>Module</a:t>
             </a:r>
+            <a:endParaRPr lang="en-US" altLang="zh-CN"/>
           </a:p>
           <a:p>
             <a:r>
@@ -2864,6 +2732,7 @@
               <a:rPr lang="en-US" altLang="zh-CN"/>
               <a:t>.</a:t>
             </a:r>
+            <a:endParaRPr lang="en-US" altLang="zh-CN"/>
           </a:p>
           <a:p>
             <a:endParaRPr lang="en-US" altLang="zh-CN"/>
@@ -2871,22 +2740,17 @@
         </p:txBody>
       </p:sp>
     </p:spTree>
-    <p:extLst>
-      <p:ext uri="{BB962C8B-B14F-4D97-AF65-F5344CB8AC3E}">
-        <p14:creationId xmlns:p14="http://schemas.microsoft.com/office/powerpoint/2010/main" val="1316382134"/>
-      </p:ext>
-    </p:extLst>
   </p:cSld>
   <p:clrMapOvr>
     <a:masterClrMapping/>
   </p:clrMapOvr>
-  <mc:AlternateContent xmlns:mc="http://schemas.openxmlformats.org/markup-compatibility/2006" xmlns:p14="http://schemas.microsoft.com/office/powerpoint/2010/main">
-    <mc:Choice Requires="p14">
+  <mc:AlternateContent xmlns:mc="http://schemas.openxmlformats.org/markup-compatibility/2006">
+    <mc:Choice xmlns:p14="http://schemas.microsoft.com/office/powerpoint/2010/main" Requires="p14">
       <p:transition spd="med" p14:dur="700">
         <p:fade/>
       </p:transition>
     </mc:Choice>
-    <mc:Fallback xmlns="">
+    <mc:Fallback>
       <p:transition spd="med">
         <p:fade/>
       </p:transition>
@@ -3281,13 +3145,7 @@
       </p:grpSpPr>
       <p:sp>
         <p:nvSpPr>
-          <p:cNvPr id="2" name="标题 1">
-            <a:extLst>
-              <a:ext uri="{FF2B5EF4-FFF2-40B4-BE49-F238E27FC236}">
-                <a16:creationId xmlns:a16="http://schemas.microsoft.com/office/drawing/2014/main" id="{63F3FBD1-7B1A-4AE1-A31A-24265F609F49}"/>
-              </a:ext>
-            </a:extLst>
-          </p:cNvPr>
+          <p:cNvPr id="2" name="标题 1"/>
           <p:cNvSpPr>
             <a:spLocks noGrp="1"/>
           </p:cNvSpPr>
@@ -3308,18 +3166,13 @@
               <a:rPr lang="zh-CN" altLang="en-US"/>
               <a:t>单一状态树</a:t>
             </a:r>
+            <a:endParaRPr lang="zh-CN" altLang="en-US"/>
           </a:p>
         </p:txBody>
       </p:sp>
       <p:sp>
         <p:nvSpPr>
-          <p:cNvPr id="3" name="内容占位符 2">
-            <a:extLst>
-              <a:ext uri="{FF2B5EF4-FFF2-40B4-BE49-F238E27FC236}">
-                <a16:creationId xmlns:a16="http://schemas.microsoft.com/office/drawing/2014/main" id="{65C39BC1-DFF8-472D-BA07-9E9597C16479}"/>
-              </a:ext>
-            </a:extLst>
-          </p:cNvPr>
+          <p:cNvPr id="3" name="内容占位符 2"/>
           <p:cNvSpPr>
             <a:spLocks noGrp="1"/>
           </p:cNvSpPr>
@@ -3350,6 +3203,7 @@
               <a:rPr lang="zh-CN" altLang="en-US"/>
               <a:t>什么是单一状态树呢？</a:t>
             </a:r>
+            <a:endParaRPr lang="zh-CN" altLang="en-US"/>
           </a:p>
           <a:p>
             <a:pPr lvl="1"/>
@@ -3365,12 +3219,14 @@
               <a:rPr lang="zh-CN" altLang="en-US"/>
               <a:t>，也可以翻译成单一数据源。</a:t>
             </a:r>
+            <a:endParaRPr lang="zh-CN" altLang="en-US"/>
           </a:p>
           <a:p>
             <a:r>
               <a:rPr lang="zh-CN" altLang="en-US"/>
               <a:t>但是，它是什么呢？我们来看一个生活中的例子。</a:t>
             </a:r>
+            <a:endParaRPr lang="zh-CN" altLang="en-US"/>
           </a:p>
           <a:p>
             <a:pPr lvl="1"/>
@@ -3382,6 +3238,7 @@
               <a:rPr lang="zh-CN" altLang="en-US"/>
               <a:t>，我用一个生活中的例子做一个简单的类比。</a:t>
             </a:r>
+            <a:endParaRPr lang="zh-CN" altLang="en-US"/>
           </a:p>
           <a:p>
             <a:pPr lvl="1"/>
@@ -3389,6 +3246,7 @@
               <a:rPr lang="zh-CN" altLang="en-US"/>
               <a:t>我们知道，在国内我们有很多的信息需要被记录，比如上学时的个人档案，工作后的社保记录，公积金记录，结婚后的婚姻信息，以及其他相关的户口、医疗、文凭、房产记录等等（还有很多信息）。</a:t>
             </a:r>
+            <a:endParaRPr lang="zh-CN" altLang="en-US"/>
           </a:p>
           <a:p>
             <a:pPr lvl="1"/>
@@ -3412,6 +3270,7 @@
               <a:rPr lang="zh-CN" altLang="en-US"/>
               <a:t>，你会发现你需要到各个对应的工作地点去打印、盖章各种资料信息，最后到一个地方提交证明你的信息无误。</a:t>
             </a:r>
+            <a:endParaRPr lang="zh-CN" altLang="en-US"/>
           </a:p>
           <a:p>
             <a:pPr lvl="1"/>
@@ -3435,12 +3294,14 @@
               <a:rPr lang="zh-CN" altLang="en-US"/>
               <a:t>。</a:t>
             </a:r>
+            <a:endParaRPr lang="zh-CN" altLang="en-US"/>
           </a:p>
           <a:p>
             <a:r>
               <a:rPr lang="zh-CN" altLang="en-US"/>
               <a:t>这个和我们在应用开发中比较类似：</a:t>
             </a:r>
+            <a:endParaRPr lang="zh-CN" altLang="en-US"/>
           </a:p>
           <a:p>
             <a:pPr lvl="1"/>
@@ -3456,6 +3317,7 @@
               <a:rPr lang="zh-CN" altLang="en-US"/>
               <a:t>对象中的，那么之后的管理和维护等等都会变得特别困难。</a:t>
             </a:r>
+            <a:endParaRPr lang="zh-CN" altLang="en-US"/>
           </a:p>
           <a:p>
             <a:pPr lvl="1"/>
@@ -3471,6 +3333,7 @@
               <a:rPr lang="zh-CN" altLang="en-US"/>
               <a:t>也使用了单一状态树来管理应用层级的全部状态。</a:t>
             </a:r>
+            <a:endParaRPr lang="zh-CN" altLang="en-US"/>
           </a:p>
           <a:p>
             <a:pPr lvl="1"/>
@@ -3478,6 +3341,7 @@
               <a:rPr lang="zh-CN" altLang="en-US"/>
               <a:t>单一状态树能够让我们最直接的方式找到某个状态的片段，而且在之后的维护和调试过程中，也可以非常方便的管理和维护。</a:t>
             </a:r>
+            <a:endParaRPr lang="zh-CN" altLang="en-US"/>
           </a:p>
           <a:p>
             <a:endParaRPr lang="zh-CN" altLang="en-US"/>
@@ -3485,22 +3349,17 @@
         </p:txBody>
       </p:sp>
     </p:spTree>
-    <p:extLst>
-      <p:ext uri="{BB962C8B-B14F-4D97-AF65-F5344CB8AC3E}">
-        <p14:creationId xmlns:p14="http://schemas.microsoft.com/office/powerpoint/2010/main" val="4003182226"/>
-      </p:ext>
-    </p:extLst>
   </p:cSld>
   <p:clrMapOvr>
     <a:masterClrMapping/>
   </p:clrMapOvr>
-  <mc:AlternateContent xmlns:mc="http://schemas.openxmlformats.org/markup-compatibility/2006" xmlns:p14="http://schemas.microsoft.com/office/powerpoint/2010/main">
-    <mc:Choice Requires="p14">
+  <mc:AlternateContent xmlns:mc="http://schemas.openxmlformats.org/markup-compatibility/2006">
+    <mc:Choice xmlns:p14="http://schemas.microsoft.com/office/powerpoint/2010/main" Requires="p14">
       <p:transition spd="med" p14:dur="700">
         <p:fade/>
       </p:transition>
     </mc:Choice>
-    <mc:Fallback xmlns="">
+    <mc:Fallback>
       <p:transition spd="med">
         <p:fade/>
       </p:transition>
@@ -4085,13 +3944,7 @@
       </p:grpSpPr>
       <p:sp>
         <p:nvSpPr>
-          <p:cNvPr id="2" name="标题 1">
-            <a:extLst>
-              <a:ext uri="{FF2B5EF4-FFF2-40B4-BE49-F238E27FC236}">
-                <a16:creationId xmlns:a16="http://schemas.microsoft.com/office/drawing/2014/main" id="{D0359686-0425-4D55-954D-B74157245452}"/>
-              </a:ext>
-            </a:extLst>
-          </p:cNvPr>
+          <p:cNvPr id="2" name="标题 1"/>
           <p:cNvSpPr>
             <a:spLocks noGrp="1"/>
           </p:cNvSpPr>
@@ -4112,18 +3965,13 @@
               <a:rPr lang="zh-CN" altLang="en-US"/>
               <a:t>基本使用</a:t>
             </a:r>
+            <a:endParaRPr lang="zh-CN" altLang="en-US"/>
           </a:p>
         </p:txBody>
       </p:sp>
       <p:sp>
         <p:nvSpPr>
-          <p:cNvPr id="3" name="内容占位符 2">
-            <a:extLst>
-              <a:ext uri="{FF2B5EF4-FFF2-40B4-BE49-F238E27FC236}">
-                <a16:creationId xmlns:a16="http://schemas.microsoft.com/office/drawing/2014/main" id="{E84193DB-6728-4FCC-ABBE-0E3FF6833B25}"/>
-              </a:ext>
-            </a:extLst>
-          </p:cNvPr>
+          <p:cNvPr id="3" name="内容占位符 2"/>
           <p:cNvSpPr>
             <a:spLocks noGrp="1"/>
           </p:cNvSpPr>
@@ -4220,20 +4068,14 @@
       </p:sp>
       <p:pic>
         <p:nvPicPr>
-          <p:cNvPr id="8" name="图片 7">
-            <a:extLst>
-              <a:ext uri="{FF2B5EF4-FFF2-40B4-BE49-F238E27FC236}">
-                <a16:creationId xmlns:a16="http://schemas.microsoft.com/office/drawing/2014/main" id="{0A422FE5-930B-4191-85E6-F67CC9D58640}"/>
-              </a:ext>
-            </a:extLst>
-          </p:cNvPr>
+          <p:cNvPr id="8" name="图片 7"/>
           <p:cNvPicPr>
             <a:picLocks noChangeAspect="1"/>
           </p:cNvPicPr>
           <p:nvPr/>
         </p:nvPicPr>
         <p:blipFill>
-          <a:blip r:embed="rId2"/>
+          <a:blip r:embed="rId1"/>
           <a:stretch>
             <a:fillRect/>
           </a:stretch>
@@ -4250,20 +4092,14 @@
       </p:pic>
       <p:pic>
         <p:nvPicPr>
-          <p:cNvPr id="9" name="图片 8">
-            <a:extLst>
-              <a:ext uri="{FF2B5EF4-FFF2-40B4-BE49-F238E27FC236}">
-                <a16:creationId xmlns:a16="http://schemas.microsoft.com/office/drawing/2014/main" id="{3CAC7663-BF90-47BB-8ABB-FCA1B6DC7E2A}"/>
-              </a:ext>
-            </a:extLst>
-          </p:cNvPr>
+          <p:cNvPr id="9" name="图片 8"/>
           <p:cNvPicPr>
             <a:picLocks noChangeAspect="1"/>
           </p:cNvPicPr>
           <p:nvPr/>
         </p:nvPicPr>
         <p:blipFill>
-          <a:blip r:embed="rId3"/>
+          <a:blip r:embed="rId2"/>
           <a:stretch>
             <a:fillRect/>
           </a:stretch>
@@ -4280,20 +4116,14 @@
       </p:pic>
       <p:pic>
         <p:nvPicPr>
-          <p:cNvPr id="10" name="图片 9">
-            <a:extLst>
-              <a:ext uri="{FF2B5EF4-FFF2-40B4-BE49-F238E27FC236}">
-                <a16:creationId xmlns:a16="http://schemas.microsoft.com/office/drawing/2014/main" id="{80E0DBEC-2BB6-4C3C-B6B0-14A171955A32}"/>
-              </a:ext>
-            </a:extLst>
-          </p:cNvPr>
+          <p:cNvPr id="10" name="图片 9"/>
           <p:cNvPicPr>
             <a:picLocks noChangeAspect="1"/>
           </p:cNvPicPr>
           <p:nvPr/>
         </p:nvPicPr>
         <p:blipFill>
-          <a:blip r:embed="rId4"/>
+          <a:blip r:embed="rId3"/>
           <a:stretch>
             <a:fillRect/>
           </a:stretch>
@@ -4309,22 +4139,17 @@
         </p:spPr>
       </p:pic>
     </p:spTree>
-    <p:extLst>
-      <p:ext uri="{BB962C8B-B14F-4D97-AF65-F5344CB8AC3E}">
-        <p14:creationId xmlns:p14="http://schemas.microsoft.com/office/powerpoint/2010/main" val="1948125653"/>
-      </p:ext>
-    </p:extLst>
   </p:cSld>
   <p:clrMapOvr>
     <a:masterClrMapping/>
   </p:clrMapOvr>
-  <mc:AlternateContent xmlns:mc="http://schemas.openxmlformats.org/markup-compatibility/2006" xmlns:p14="http://schemas.microsoft.com/office/powerpoint/2010/main">
-    <mc:Choice Requires="p14">
+  <mc:AlternateContent xmlns:mc="http://schemas.openxmlformats.org/markup-compatibility/2006">
+    <mc:Choice xmlns:p14="http://schemas.microsoft.com/office/powerpoint/2010/main" Requires="p14">
       <p:transition spd="med" p14:dur="700">
         <p:fade/>
       </p:transition>
     </mc:Choice>
-    <mc:Fallback xmlns="">
+    <mc:Fallback>
       <p:transition spd="med">
         <p:fade/>
       </p:transition>
@@ -4565,13 +4390,7 @@
       </p:grpSpPr>
       <p:sp>
         <p:nvSpPr>
-          <p:cNvPr id="2" name="标题 1">
-            <a:extLst>
-              <a:ext uri="{FF2B5EF4-FFF2-40B4-BE49-F238E27FC236}">
-                <a16:creationId xmlns:a16="http://schemas.microsoft.com/office/drawing/2014/main" id="{FC3A6035-1A53-48F7-B5BC-5A31DDB8A02B}"/>
-              </a:ext>
-            </a:extLst>
-          </p:cNvPr>
+          <p:cNvPr id="2" name="标题 1"/>
           <p:cNvSpPr>
             <a:spLocks noGrp="1"/>
           </p:cNvSpPr>
@@ -4592,18 +4411,13 @@
               <a:rPr lang="zh-CN" altLang="en-US"/>
               <a:t>作为参数和传递参数</a:t>
             </a:r>
+            <a:endParaRPr lang="zh-CN" altLang="en-US"/>
           </a:p>
         </p:txBody>
       </p:sp>
       <p:sp>
         <p:nvSpPr>
-          <p:cNvPr id="3" name="内容占位符 2">
-            <a:extLst>
-              <a:ext uri="{FF2B5EF4-FFF2-40B4-BE49-F238E27FC236}">
-                <a16:creationId xmlns:a16="http://schemas.microsoft.com/office/drawing/2014/main" id="{1FD04381-0192-4C61-8DC4-4B1C69F50712}"/>
-              </a:ext>
-            </a:extLst>
-          </p:cNvPr>
+          <p:cNvPr id="3" name="内容占位符 2"/>
           <p:cNvSpPr>
             <a:spLocks noGrp="1"/>
           </p:cNvSpPr>
@@ -4687,6 +4501,7 @@
               <a:rPr lang="en-US" altLang="zh-CN"/>
               <a:t>.</a:t>
             </a:r>
+            <a:endParaRPr lang="en-US" altLang="zh-CN"/>
           </a:p>
           <a:p>
             <a:pPr lvl="1"/>
@@ -4719,20 +4534,14 @@
       </p:sp>
       <p:pic>
         <p:nvPicPr>
-          <p:cNvPr id="5" name="图片 4">
-            <a:extLst>
-              <a:ext uri="{FF2B5EF4-FFF2-40B4-BE49-F238E27FC236}">
-                <a16:creationId xmlns:a16="http://schemas.microsoft.com/office/drawing/2014/main" id="{1DC5FF40-77E4-44BE-A431-5FE45E399CF4}"/>
-              </a:ext>
-            </a:extLst>
-          </p:cNvPr>
+          <p:cNvPr id="5" name="图片 4"/>
           <p:cNvPicPr>
             <a:picLocks noChangeAspect="1"/>
           </p:cNvPicPr>
           <p:nvPr/>
         </p:nvPicPr>
         <p:blipFill>
-          <a:blip r:embed="rId2"/>
+          <a:blip r:embed="rId1"/>
           <a:stretch>
             <a:fillRect/>
           </a:stretch>
@@ -4749,20 +4558,14 @@
       </p:pic>
       <p:pic>
         <p:nvPicPr>
-          <p:cNvPr id="6" name="图片 5">
-            <a:extLst>
-              <a:ext uri="{FF2B5EF4-FFF2-40B4-BE49-F238E27FC236}">
-                <a16:creationId xmlns:a16="http://schemas.microsoft.com/office/drawing/2014/main" id="{A2BA665B-8423-4BA1-BCC1-31A90407450A}"/>
-              </a:ext>
-            </a:extLst>
-          </p:cNvPr>
+          <p:cNvPr id="6" name="图片 5"/>
           <p:cNvPicPr>
             <a:picLocks noChangeAspect="1"/>
           </p:cNvPicPr>
           <p:nvPr/>
         </p:nvPicPr>
         <p:blipFill>
-          <a:blip r:embed="rId3"/>
+          <a:blip r:embed="rId2"/>
           <a:stretch>
             <a:fillRect/>
           </a:stretch>
@@ -4778,22 +4581,17 @@
         </p:spPr>
       </p:pic>
     </p:spTree>
-    <p:extLst>
-      <p:ext uri="{BB962C8B-B14F-4D97-AF65-F5344CB8AC3E}">
-        <p14:creationId xmlns:p14="http://schemas.microsoft.com/office/powerpoint/2010/main" val="2729597949"/>
-      </p:ext>
-    </p:extLst>
   </p:cSld>
   <p:clrMapOvr>
     <a:masterClrMapping/>
   </p:clrMapOvr>
-  <mc:AlternateContent xmlns:mc="http://schemas.openxmlformats.org/markup-compatibility/2006" xmlns:p14="http://schemas.microsoft.com/office/powerpoint/2010/main">
-    <mc:Choice Requires="p14">
+  <mc:AlternateContent xmlns:mc="http://schemas.openxmlformats.org/markup-compatibility/2006">
+    <mc:Choice xmlns:p14="http://schemas.microsoft.com/office/powerpoint/2010/main" Requires="p14">
       <p:transition spd="med" p14:dur="700">
         <p:fade/>
       </p:transition>
     </mc:Choice>
-    <mc:Fallback xmlns="">
+    <mc:Fallback>
       <p:transition spd="med">
         <p:fade/>
       </p:transition>
@@ -5069,13 +4867,7 @@
       </p:grpSpPr>
       <p:sp>
         <p:nvSpPr>
-          <p:cNvPr id="2" name="标题 1">
-            <a:extLst>
-              <a:ext uri="{FF2B5EF4-FFF2-40B4-BE49-F238E27FC236}">
-                <a16:creationId xmlns:a16="http://schemas.microsoft.com/office/drawing/2014/main" id="{B13EA2A0-085A-44F5-B781-78A71EAAB387}"/>
-              </a:ext>
-            </a:extLst>
-          </p:cNvPr>
+          <p:cNvPr id="2" name="标题 1"/>
           <p:cNvSpPr>
             <a:spLocks noGrp="1"/>
           </p:cNvSpPr>
@@ -5096,18 +4888,13 @@
               <a:rPr lang="zh-CN" altLang="en-US"/>
               <a:t>状态更新</a:t>
             </a:r>
+            <a:endParaRPr lang="zh-CN" altLang="en-US"/>
           </a:p>
         </p:txBody>
       </p:sp>
       <p:sp>
         <p:nvSpPr>
-          <p:cNvPr id="3" name="内容占位符 2">
-            <a:extLst>
-              <a:ext uri="{FF2B5EF4-FFF2-40B4-BE49-F238E27FC236}">
-                <a16:creationId xmlns:a16="http://schemas.microsoft.com/office/drawing/2014/main" id="{9036B045-4F0E-4DB5-BC35-A2341A64E6C1}"/>
-              </a:ext>
-            </a:extLst>
-          </p:cNvPr>
+          <p:cNvPr id="3" name="内容占位符 2"/>
           <p:cNvSpPr>
             <a:spLocks noGrp="1"/>
           </p:cNvSpPr>
@@ -5144,6 +4931,7 @@
               <a:rPr lang="en-US" altLang="zh-CN" b="1" u="sng"/>
               <a:t>Mutation</a:t>
             </a:r>
+            <a:endParaRPr lang="en-US" altLang="zh-CN" b="1" u="sng"/>
           </a:p>
           <a:p>
             <a:r>
@@ -5199,17 +4987,26 @@
               <a:t>,</a:t>
             </a:r>
             <a:r>
-              <a:rPr lang="zh-CN" altLang="en-US"/>
+              <a:rPr lang="zh-CN" altLang="en-US" u="sng">
+                <a:solidFill>
+                  <a:srgbClr val="FF0000"/>
+                </a:solidFill>
+              </a:rPr>
               <a:t>该回调函数的第一个参数就是</a:t>
             </a:r>
             <a:r>
-              <a:rPr lang="en-US" altLang="zh-CN"/>
+              <a:rPr lang="en-US" altLang="zh-CN" u="sng">
+                <a:solidFill>
+                  <a:srgbClr val="FF0000"/>
+                </a:solidFill>
+              </a:rPr>
               <a:t>state</a:t>
             </a:r>
             <a:r>
               <a:rPr lang="zh-CN" altLang="en-US"/>
               <a:t>。</a:t>
             </a:r>
+            <a:endParaRPr lang="zh-CN" altLang="en-US"/>
           </a:p>
           <a:p>
             <a:r>
@@ -5253,20 +5050,14 @@
       </p:sp>
       <p:pic>
         <p:nvPicPr>
-          <p:cNvPr id="4" name="图片 3">
-            <a:extLst>
-              <a:ext uri="{FF2B5EF4-FFF2-40B4-BE49-F238E27FC236}">
-                <a16:creationId xmlns:a16="http://schemas.microsoft.com/office/drawing/2014/main" id="{3C9530B4-312B-4909-923A-44ACF814084B}"/>
-              </a:ext>
-            </a:extLst>
-          </p:cNvPr>
+          <p:cNvPr id="4" name="图片 3"/>
           <p:cNvPicPr>
             <a:picLocks noChangeAspect="1"/>
           </p:cNvPicPr>
           <p:nvPr/>
         </p:nvPicPr>
         <p:blipFill>
-          <a:blip r:embed="rId2"/>
+          <a:blip r:embed="rId1"/>
           <a:stretch>
             <a:fillRect/>
           </a:stretch>
@@ -5283,20 +5074,14 @@
       </p:pic>
       <p:pic>
         <p:nvPicPr>
-          <p:cNvPr id="5" name="图片 4">
-            <a:extLst>
-              <a:ext uri="{FF2B5EF4-FFF2-40B4-BE49-F238E27FC236}">
-                <a16:creationId xmlns:a16="http://schemas.microsoft.com/office/drawing/2014/main" id="{9BF6B288-877B-443F-AD35-10456E53DF90}"/>
-              </a:ext>
-            </a:extLst>
-          </p:cNvPr>
+          <p:cNvPr id="5" name="图片 4"/>
           <p:cNvPicPr>
             <a:picLocks noChangeAspect="1"/>
           </p:cNvPicPr>
           <p:nvPr/>
         </p:nvPicPr>
         <p:blipFill>
-          <a:blip r:embed="rId3"/>
+          <a:blip r:embed="rId2"/>
           <a:stretch>
             <a:fillRect/>
           </a:stretch>
@@ -5312,22 +5097,17 @@
         </p:spPr>
       </p:pic>
     </p:spTree>
-    <p:extLst>
-      <p:ext uri="{BB962C8B-B14F-4D97-AF65-F5344CB8AC3E}">
-        <p14:creationId xmlns:p14="http://schemas.microsoft.com/office/powerpoint/2010/main" val="1855165432"/>
-      </p:ext>
-    </p:extLst>
   </p:cSld>
   <p:clrMapOvr>
     <a:masterClrMapping/>
   </p:clrMapOvr>
-  <mc:AlternateContent xmlns:mc="http://schemas.openxmlformats.org/markup-compatibility/2006" xmlns:p14="http://schemas.microsoft.com/office/powerpoint/2010/main">
-    <mc:Choice Requires="p14">
+  <mc:AlternateContent xmlns:mc="http://schemas.openxmlformats.org/markup-compatibility/2006">
+    <mc:Choice xmlns:p14="http://schemas.microsoft.com/office/powerpoint/2010/main" Requires="p14">
       <p:transition spd="med" p14:dur="700">
         <p:fade/>
       </p:transition>
     </mc:Choice>
-    <mc:Fallback xmlns="">
+    <mc:Fallback>
       <p:transition spd="med">
         <p:fade/>
       </p:transition>
@@ -5821,13 +5601,7 @@
       </p:grpSpPr>
       <p:sp>
         <p:nvSpPr>
-          <p:cNvPr id="2" name="标题 1">
-            <a:extLst>
-              <a:ext uri="{FF2B5EF4-FFF2-40B4-BE49-F238E27FC236}">
-                <a16:creationId xmlns:a16="http://schemas.microsoft.com/office/drawing/2014/main" id="{0808C2D4-7F80-42FD-AF86-B3B20AAA60FB}"/>
-              </a:ext>
-            </a:extLst>
-          </p:cNvPr>
+          <p:cNvPr id="2" name="标题 1"/>
           <p:cNvSpPr>
             <a:spLocks noGrp="1"/>
           </p:cNvSpPr>
@@ -5848,18 +5622,13 @@
               <a:rPr lang="zh-CN" altLang="en-US"/>
               <a:t>传递参数</a:t>
             </a:r>
+            <a:endParaRPr lang="zh-CN" altLang="en-US"/>
           </a:p>
         </p:txBody>
       </p:sp>
       <p:sp>
         <p:nvSpPr>
-          <p:cNvPr id="3" name="内容占位符 2">
-            <a:extLst>
-              <a:ext uri="{FF2B5EF4-FFF2-40B4-BE49-F238E27FC236}">
-                <a16:creationId xmlns:a16="http://schemas.microsoft.com/office/drawing/2014/main" id="{92A57D4F-4CDA-4E0A-9DD7-5EEF93694113}"/>
-              </a:ext>
-            </a:extLst>
-          </p:cNvPr>
+          <p:cNvPr id="3" name="内容占位符 2"/>
           <p:cNvSpPr>
             <a:spLocks noGrp="1"/>
           </p:cNvSpPr>
@@ -5916,6 +5685,7 @@
               <a:rPr lang="en-US" altLang="zh-CN"/>
               <a:t>(Payload)</a:t>
             </a:r>
+            <a:endParaRPr lang="en-US" altLang="zh-CN"/>
           </a:p>
           <a:p>
             <a:r>
@@ -5930,14 +5700,15 @@
               <a:rPr lang="en-US" altLang="zh-CN"/>
               <a:t>:</a:t>
             </a:r>
-          </a:p>
-          <a:p>
             <a:endParaRPr lang="en-US" altLang="zh-CN"/>
           </a:p>
           <a:p>
             <a:endParaRPr lang="en-US" altLang="zh-CN"/>
           </a:p>
           <a:p>
+            <a:endParaRPr lang="en-US" altLang="zh-CN"/>
+          </a:p>
+          <a:p>
             <a:r>
               <a:rPr lang="zh-CN" altLang="en-US"/>
               <a:t>但是如果参数不是一个呢</a:t>
@@ -5946,6 +5717,7 @@
               <a:rPr lang="en-US" altLang="zh-CN"/>
               <a:t>?</a:t>
             </a:r>
+            <a:endParaRPr lang="en-US" altLang="zh-CN"/>
           </a:p>
           <a:p>
             <a:pPr lvl="1"/>
@@ -5957,6 +5729,7 @@
               <a:rPr lang="en-US" altLang="zh-CN"/>
               <a:t>.</a:t>
             </a:r>
+            <a:endParaRPr lang="en-US" altLang="zh-CN"/>
           </a:p>
           <a:p>
             <a:pPr lvl="1"/>
@@ -5992,6 +5765,7 @@
               <a:rPr lang="en-US" altLang="zh-CN"/>
               <a:t>.</a:t>
             </a:r>
+            <a:endParaRPr lang="en-US" altLang="zh-CN"/>
           </a:p>
           <a:p>
             <a:pPr lvl="1"/>
@@ -6003,6 +5777,7 @@
               <a:rPr lang="en-US" altLang="zh-CN"/>
               <a:t>.</a:t>
             </a:r>
+            <a:endParaRPr lang="en-US" altLang="zh-CN"/>
           </a:p>
           <a:p>
             <a:endParaRPr lang="zh-CN" altLang="en-US"/>
@@ -6011,20 +5786,14 @@
       </p:sp>
       <p:pic>
         <p:nvPicPr>
-          <p:cNvPr id="4" name="图片 3">
-            <a:extLst>
-              <a:ext uri="{FF2B5EF4-FFF2-40B4-BE49-F238E27FC236}">
-                <a16:creationId xmlns:a16="http://schemas.microsoft.com/office/drawing/2014/main" id="{70D0492A-66AE-4260-B92B-A656FA9EE3E7}"/>
-              </a:ext>
-            </a:extLst>
-          </p:cNvPr>
+          <p:cNvPr id="4" name="图片 3"/>
           <p:cNvPicPr>
             <a:picLocks noChangeAspect="1"/>
           </p:cNvPicPr>
           <p:nvPr/>
         </p:nvPicPr>
         <p:blipFill>
-          <a:blip r:embed="rId2"/>
+          <a:blip r:embed="rId1"/>
           <a:stretch>
             <a:fillRect/>
           </a:stretch>
@@ -6041,20 +5810,14 @@
       </p:pic>
       <p:pic>
         <p:nvPicPr>
-          <p:cNvPr id="5" name="图片 4">
-            <a:extLst>
-              <a:ext uri="{FF2B5EF4-FFF2-40B4-BE49-F238E27FC236}">
-                <a16:creationId xmlns:a16="http://schemas.microsoft.com/office/drawing/2014/main" id="{2E6FC1D5-B3D8-464B-9F24-E95EADD6483E}"/>
-              </a:ext>
-            </a:extLst>
-          </p:cNvPr>
+          <p:cNvPr id="5" name="图片 4"/>
           <p:cNvPicPr>
             <a:picLocks noChangeAspect="1"/>
           </p:cNvPicPr>
           <p:nvPr/>
         </p:nvPicPr>
         <p:blipFill>
-          <a:blip r:embed="rId3"/>
+          <a:blip r:embed="rId2"/>
           <a:stretch>
             <a:fillRect/>
           </a:stretch>
@@ -6071,20 +5834,14 @@
       </p:pic>
       <p:pic>
         <p:nvPicPr>
-          <p:cNvPr id="6" name="图片 5">
-            <a:extLst>
-              <a:ext uri="{FF2B5EF4-FFF2-40B4-BE49-F238E27FC236}">
-                <a16:creationId xmlns:a16="http://schemas.microsoft.com/office/drawing/2014/main" id="{C89BB34D-8D4C-4606-88C4-1EEFCDBAE78A}"/>
-              </a:ext>
-            </a:extLst>
-          </p:cNvPr>
+          <p:cNvPr id="6" name="图片 5"/>
           <p:cNvPicPr>
             <a:picLocks noChangeAspect="1"/>
           </p:cNvPicPr>
           <p:nvPr/>
         </p:nvPicPr>
         <p:blipFill>
-          <a:blip r:embed="rId4"/>
+          <a:blip r:embed="rId3"/>
           <a:stretch>
             <a:fillRect/>
           </a:stretch>
@@ -6101,20 +5858,14 @@
       </p:pic>
       <p:pic>
         <p:nvPicPr>
-          <p:cNvPr id="7" name="图片 6">
-            <a:extLst>
-              <a:ext uri="{FF2B5EF4-FFF2-40B4-BE49-F238E27FC236}">
-                <a16:creationId xmlns:a16="http://schemas.microsoft.com/office/drawing/2014/main" id="{7E44B873-FC14-42A5-A8A0-2363DFF0A9DE}"/>
-              </a:ext>
-            </a:extLst>
-          </p:cNvPr>
+          <p:cNvPr id="7" name="图片 6"/>
           <p:cNvPicPr>
             <a:picLocks noChangeAspect="1"/>
           </p:cNvPicPr>
           <p:nvPr/>
         </p:nvPicPr>
         <p:blipFill>
-          <a:blip r:embed="rId5"/>
+          <a:blip r:embed="rId4"/>
           <a:stretch>
             <a:fillRect/>
           </a:stretch>
@@ -6130,22 +5881,17 @@
         </p:spPr>
       </p:pic>
     </p:spTree>
-    <p:extLst>
-      <p:ext uri="{BB962C8B-B14F-4D97-AF65-F5344CB8AC3E}">
-        <p14:creationId xmlns:p14="http://schemas.microsoft.com/office/powerpoint/2010/main" val="385333779"/>
-      </p:ext>
-    </p:extLst>
   </p:cSld>
   <p:clrMapOvr>
     <a:masterClrMapping/>
   </p:clrMapOvr>
-  <mc:AlternateContent xmlns:mc="http://schemas.openxmlformats.org/markup-compatibility/2006" xmlns:p14="http://schemas.microsoft.com/office/powerpoint/2010/main">
-    <mc:Choice Requires="p14">
+  <mc:AlternateContent xmlns:mc="http://schemas.openxmlformats.org/markup-compatibility/2006">
+    <mc:Choice xmlns:p14="http://schemas.microsoft.com/office/powerpoint/2010/main" Requires="p14">
       <p:transition spd="med" p14:dur="700">
         <p:fade/>
       </p:transition>
     </mc:Choice>
-    <mc:Fallback xmlns="">
+    <mc:Fallback>
       <p:transition spd="med">
         <p:fade/>
       </p:transition>
@@ -6734,13 +6480,7 @@
       </p:grpSpPr>
       <p:sp>
         <p:nvSpPr>
-          <p:cNvPr id="2" name="标题 1">
-            <a:extLst>
-              <a:ext uri="{FF2B5EF4-FFF2-40B4-BE49-F238E27FC236}">
-                <a16:creationId xmlns:a16="http://schemas.microsoft.com/office/drawing/2014/main" id="{A717D586-5053-4AD2-BEF7-512F644BE574}"/>
-              </a:ext>
-            </a:extLst>
-          </p:cNvPr>
+          <p:cNvPr id="2" name="标题 1"/>
           <p:cNvSpPr>
             <a:spLocks noGrp="1"/>
           </p:cNvSpPr>
@@ -6761,18 +6501,13 @@
               <a:rPr lang="zh-CN" altLang="en-US"/>
               <a:t>提交风格</a:t>
             </a:r>
+            <a:endParaRPr lang="zh-CN" altLang="en-US"/>
           </a:p>
         </p:txBody>
       </p:sp>
       <p:sp>
         <p:nvSpPr>
-          <p:cNvPr id="3" name="内容占位符 2">
-            <a:extLst>
-              <a:ext uri="{FF2B5EF4-FFF2-40B4-BE49-F238E27FC236}">
-                <a16:creationId xmlns:a16="http://schemas.microsoft.com/office/drawing/2014/main" id="{43FBB7DC-1454-4A56-9182-E4C68C417F2C}"/>
-              </a:ext>
-            </a:extLst>
-          </p:cNvPr>
+          <p:cNvPr id="3" name="内容占位符 2"/>
           <p:cNvSpPr>
             <a:spLocks noGrp="1"/>
           </p:cNvSpPr>
@@ -6886,20 +6621,14 @@
       </p:sp>
       <p:pic>
         <p:nvPicPr>
-          <p:cNvPr id="4" name="图片 3">
-            <a:extLst>
-              <a:ext uri="{FF2B5EF4-FFF2-40B4-BE49-F238E27FC236}">
-                <a16:creationId xmlns:a16="http://schemas.microsoft.com/office/drawing/2014/main" id="{5BF43BC1-45DA-47EA-ADEB-A57609078B6E}"/>
-              </a:ext>
-            </a:extLst>
-          </p:cNvPr>
+          <p:cNvPr id="4" name="图片 3"/>
           <p:cNvPicPr>
             <a:picLocks noChangeAspect="1"/>
           </p:cNvPicPr>
           <p:nvPr/>
         </p:nvPicPr>
         <p:blipFill>
-          <a:blip r:embed="rId2"/>
+          <a:blip r:embed="rId1"/>
           <a:stretch>
             <a:fillRect/>
           </a:stretch>
@@ -6916,20 +6645,14 @@
       </p:pic>
       <p:pic>
         <p:nvPicPr>
-          <p:cNvPr id="5" name="图片 4">
-            <a:extLst>
-              <a:ext uri="{FF2B5EF4-FFF2-40B4-BE49-F238E27FC236}">
-                <a16:creationId xmlns:a16="http://schemas.microsoft.com/office/drawing/2014/main" id="{8BF5A24F-C25E-437B-845A-F684901B2D2D}"/>
-              </a:ext>
-            </a:extLst>
-          </p:cNvPr>
+          <p:cNvPr id="5" name="图片 4"/>
           <p:cNvPicPr>
             <a:picLocks noChangeAspect="1"/>
           </p:cNvPicPr>
           <p:nvPr/>
         </p:nvPicPr>
         <p:blipFill>
-          <a:blip r:embed="rId3"/>
+          <a:blip r:embed="rId2"/>
           <a:stretch>
             <a:fillRect/>
           </a:stretch>
@@ -6945,22 +6668,17 @@
         </p:spPr>
       </p:pic>
     </p:spTree>
-    <p:extLst>
-      <p:ext uri="{BB962C8B-B14F-4D97-AF65-F5344CB8AC3E}">
-        <p14:creationId xmlns:p14="http://schemas.microsoft.com/office/powerpoint/2010/main" val="4194701073"/>
-      </p:ext>
-    </p:extLst>
   </p:cSld>
   <p:clrMapOvr>
     <a:masterClrMapping/>
   </p:clrMapOvr>
-  <mc:AlternateContent xmlns:mc="http://schemas.openxmlformats.org/markup-compatibility/2006" xmlns:p14="http://schemas.microsoft.com/office/powerpoint/2010/main">
-    <mc:Choice Requires="p14">
+  <mc:AlternateContent xmlns:mc="http://schemas.openxmlformats.org/markup-compatibility/2006">
+    <mc:Choice xmlns:p14="http://schemas.microsoft.com/office/powerpoint/2010/main" Requires="p14">
       <p:transition spd="med" p14:dur="700">
         <p:fade/>
       </p:transition>
     </mc:Choice>
-    <mc:Fallback xmlns="">
+    <mc:Fallback>
       <p:transition spd="med">
         <p:fade/>
       </p:transition>
@@ -7307,13 +7025,7 @@
       </p:grpSpPr>
       <p:sp>
         <p:nvSpPr>
-          <p:cNvPr id="2" name="标题 1">
-            <a:extLst>
-              <a:ext uri="{FF2B5EF4-FFF2-40B4-BE49-F238E27FC236}">
-                <a16:creationId xmlns:a16="http://schemas.microsoft.com/office/drawing/2014/main" id="{BCC56C4E-70AD-4E4E-8130-9919039A7B3E}"/>
-              </a:ext>
-            </a:extLst>
-          </p:cNvPr>
+          <p:cNvPr id="2" name="标题 1"/>
           <p:cNvSpPr>
             <a:spLocks noGrp="1"/>
           </p:cNvSpPr>
@@ -7336,18 +7048,13 @@
               <a:rPr lang="zh-CN" altLang="en-US"/>
               <a:t>响应规则</a:t>
             </a:r>
+            <a:endParaRPr lang="zh-CN" altLang="en-US"/>
           </a:p>
         </p:txBody>
       </p:sp>
       <p:sp>
         <p:nvSpPr>
-          <p:cNvPr id="3" name="内容占位符 2">
-            <a:extLst>
-              <a:ext uri="{FF2B5EF4-FFF2-40B4-BE49-F238E27FC236}">
-                <a16:creationId xmlns:a16="http://schemas.microsoft.com/office/drawing/2014/main" id="{3B323960-1DE7-46AB-A45B-591C6D1FF099}"/>
-              </a:ext>
-            </a:extLst>
-          </p:cNvPr>
+          <p:cNvPr id="3" name="内容占位符 2"/>
           <p:cNvSpPr>
             <a:spLocks noGrp="1"/>
           </p:cNvSpPr>
@@ -7412,6 +7119,7 @@
               <a:rPr lang="en-US" altLang="zh-CN"/>
               <a:t>.</a:t>
             </a:r>
+            <a:endParaRPr lang="en-US" altLang="zh-CN"/>
           </a:p>
           <a:p>
             <a:r>
@@ -7430,6 +7138,7 @@
               <a:rPr lang="en-US" altLang="zh-CN"/>
               <a:t>:</a:t>
             </a:r>
+            <a:endParaRPr lang="en-US" altLang="zh-CN"/>
           </a:p>
           <a:p>
             <a:pPr lvl="1"/>
@@ -7449,67 +7158,135 @@
               <a:rPr lang="en-US" altLang="zh-CN"/>
               <a:t>.</a:t>
             </a:r>
+            <a:endParaRPr lang="en-US" altLang="zh-CN"/>
           </a:p>
           <a:p>
             <a:pPr lvl="1"/>
             <a:r>
-              <a:rPr lang="zh-CN" altLang="en-US"/>
+              <a:rPr lang="zh-CN" altLang="en-US" u="sng">
+                <a:solidFill>
+                  <a:srgbClr val="FF0000"/>
+                </a:solidFill>
+              </a:rPr>
               <a:t>当给</a:t>
             </a:r>
             <a:r>
-              <a:rPr lang="en-US" altLang="zh-CN"/>
+              <a:rPr lang="en-US" altLang="zh-CN" u="sng">
+                <a:solidFill>
+                  <a:srgbClr val="FF0000"/>
+                </a:solidFill>
+              </a:rPr>
               <a:t>state</a:t>
             </a:r>
             <a:r>
-              <a:rPr lang="zh-CN" altLang="en-US"/>
+              <a:rPr lang="zh-CN" altLang="en-US" u="sng">
+                <a:solidFill>
+                  <a:srgbClr val="FF0000"/>
+                </a:solidFill>
+              </a:rPr>
               <a:t>中的对象添加新属性时</a:t>
             </a:r>
             <a:r>
-              <a:rPr lang="en-US" altLang="zh-CN"/>
+              <a:rPr lang="en-US" altLang="zh-CN" u="sng">
+                <a:solidFill>
+                  <a:srgbClr val="FF0000"/>
+                </a:solidFill>
+              </a:rPr>
               <a:t>, </a:t>
             </a:r>
             <a:r>
-              <a:rPr lang="zh-CN" altLang="en-US"/>
+              <a:rPr lang="zh-CN" altLang="en-US" u="sng">
+                <a:solidFill>
+                  <a:srgbClr val="FF0000"/>
+                </a:solidFill>
+              </a:rPr>
               <a:t>使用下面的方式</a:t>
             </a:r>
             <a:r>
-              <a:rPr lang="en-US" altLang="zh-CN"/>
+              <a:rPr lang="en-US" altLang="zh-CN" u="sng">
+                <a:solidFill>
+                  <a:srgbClr val="FF0000"/>
+                </a:solidFill>
+              </a:rPr>
               <a:t>:</a:t>
             </a:r>
+            <a:endParaRPr lang="en-US" altLang="zh-CN" u="sng">
+              <a:solidFill>
+                <a:srgbClr val="FF0000"/>
+              </a:solidFill>
+            </a:endParaRPr>
           </a:p>
           <a:p>
             <a:pPr lvl="2"/>
             <a:r>
-              <a:rPr lang="zh-CN" altLang="en-US"/>
+              <a:rPr lang="zh-CN" altLang="en-US" u="sng">
+                <a:solidFill>
+                  <a:srgbClr val="FF0000"/>
+                </a:solidFill>
+              </a:rPr>
               <a:t>方式一</a:t>
             </a:r>
             <a:r>
-              <a:rPr lang="en-US" altLang="zh-CN"/>
+              <a:rPr lang="en-US" altLang="zh-CN" u="sng">
+                <a:solidFill>
+                  <a:srgbClr val="FF0000"/>
+                </a:solidFill>
+              </a:rPr>
               <a:t>: </a:t>
             </a:r>
             <a:r>
-              <a:rPr lang="zh-CN" altLang="en-US"/>
+              <a:rPr lang="zh-CN" altLang="en-US" u="sng">
+                <a:solidFill>
+                  <a:srgbClr val="FF0000"/>
+                </a:solidFill>
+              </a:rPr>
               <a:t>使用</a:t>
             </a:r>
             <a:r>
-              <a:rPr lang="en-US" altLang="zh-CN"/>
+              <a:rPr lang="en-US" altLang="zh-CN" u="sng">
+                <a:solidFill>
+                  <a:srgbClr val="FF0000"/>
+                </a:solidFill>
+              </a:rPr>
               <a:t>Vue.set(obj, 'newProp', 123)</a:t>
             </a:r>
+            <a:endParaRPr lang="en-US" altLang="zh-CN" u="sng">
+              <a:solidFill>
+                <a:srgbClr val="FF0000"/>
+              </a:solidFill>
+            </a:endParaRPr>
           </a:p>
           <a:p>
             <a:pPr lvl="2"/>
             <a:r>
-              <a:rPr lang="zh-CN" altLang="en-US"/>
+              <a:rPr lang="zh-CN" altLang="en-US" u="sng">
+                <a:solidFill>
+                  <a:srgbClr val="FF0000"/>
+                </a:solidFill>
+              </a:rPr>
               <a:t>方式二</a:t>
             </a:r>
             <a:r>
-              <a:rPr lang="en-US" altLang="zh-CN"/>
+              <a:rPr lang="en-US" altLang="zh-CN" u="sng">
+                <a:solidFill>
+                  <a:srgbClr val="FF0000"/>
+                </a:solidFill>
+              </a:rPr>
               <a:t>: </a:t>
             </a:r>
             <a:r>
-              <a:rPr lang="zh-CN" altLang="en-US"/>
+              <a:rPr lang="zh-CN" altLang="en-US" u="sng">
+                <a:solidFill>
+                  <a:srgbClr val="FF0000"/>
+                </a:solidFill>
+              </a:rPr>
               <a:t>用心对象给旧对象重新赋值</a:t>
             </a:r>
+            <a:endParaRPr lang="zh-CN" altLang="en-US" u="sng">
+              <a:solidFill>
+                <a:srgbClr val="FF0000"/>
+              </a:solidFill>
+            </a:endParaRPr>
           </a:p>
           <a:p>
             <a:r>
@@ -7520,6 +7297,7 @@
               <a:rPr lang="en-US" altLang="zh-CN"/>
               <a:t>:</a:t>
             </a:r>
+            <a:endParaRPr lang="en-US" altLang="zh-CN"/>
           </a:p>
           <a:p>
             <a:pPr lvl="1"/>
@@ -7539,6 +7317,7 @@
               <a:rPr lang="en-US" altLang="zh-CN"/>
               <a:t>.</a:t>
             </a:r>
+            <a:endParaRPr lang="en-US" altLang="zh-CN"/>
           </a:p>
           <a:p>
             <a:r>
@@ -7549,6 +7328,7 @@
               <a:rPr lang="en-US" altLang="zh-CN"/>
               <a:t>?</a:t>
             </a:r>
+            <a:endParaRPr lang="en-US" altLang="zh-CN"/>
           </a:p>
           <a:p>
             <a:pPr lvl="1"/>
@@ -7576,6 +7356,7 @@
               <a:rPr lang="en-US" altLang="zh-CN"/>
               <a:t>.</a:t>
             </a:r>
+            <a:endParaRPr lang="en-US" altLang="zh-CN"/>
           </a:p>
           <a:p>
             <a:endParaRPr lang="zh-CN" altLang="en-US"/>
@@ -7584,20 +7365,14 @@
       </p:sp>
       <p:pic>
         <p:nvPicPr>
-          <p:cNvPr id="1026" name="Picture 2" descr="img">
-            <a:extLst>
-              <a:ext uri="{FF2B5EF4-FFF2-40B4-BE49-F238E27FC236}">
-                <a16:creationId xmlns:a16="http://schemas.microsoft.com/office/drawing/2014/main" id="{65FF40E2-5CE3-4BE9-AD08-A8ECE4A3AA20}"/>
-              </a:ext>
-            </a:extLst>
-          </p:cNvPr>
+          <p:cNvPr id="1026" name="Picture 2" descr="img"/>
           <p:cNvPicPr>
             <a:picLocks noChangeAspect="1" noChangeArrowheads="1"/>
           </p:cNvPicPr>
           <p:nvPr/>
         </p:nvPicPr>
         <p:blipFill>
-          <a:blip r:embed="rId2">
+          <a:blip r:embed="rId1">
             <a:extLst>
               <a:ext uri="{28A0092B-C50C-407E-A947-70E740481C1C}">
                 <a14:useLocalDpi xmlns:a14="http://schemas.microsoft.com/office/drawing/2010/main" val="0"/>
@@ -7631,20 +7406,14 @@
       </p:pic>
       <p:pic>
         <p:nvPicPr>
-          <p:cNvPr id="1028" name="Picture 4" descr="img">
-            <a:extLst>
-              <a:ext uri="{FF2B5EF4-FFF2-40B4-BE49-F238E27FC236}">
-                <a16:creationId xmlns:a16="http://schemas.microsoft.com/office/drawing/2014/main" id="{78F5540A-45B1-4C3B-8255-FDC3E09AF26A}"/>
-              </a:ext>
-            </a:extLst>
-          </p:cNvPr>
+          <p:cNvPr id="1028" name="Picture 4" descr="img"/>
           <p:cNvPicPr>
             <a:picLocks noChangeAspect="1" noChangeArrowheads="1"/>
           </p:cNvPicPr>
           <p:nvPr/>
         </p:nvPicPr>
         <p:blipFill>
-          <a:blip r:embed="rId3">
+          <a:blip r:embed="rId2">
             <a:extLst>
               <a:ext uri="{28A0092B-C50C-407E-A947-70E740481C1C}">
                 <a14:useLocalDpi xmlns:a14="http://schemas.microsoft.com/office/drawing/2010/main" val="0"/>
@@ -7677,22 +7446,17 @@
         </p:spPr>
       </p:pic>
     </p:spTree>
-    <p:extLst>
-      <p:ext uri="{BB962C8B-B14F-4D97-AF65-F5344CB8AC3E}">
-        <p14:creationId xmlns:p14="http://schemas.microsoft.com/office/powerpoint/2010/main" val="427314459"/>
-      </p:ext>
-    </p:extLst>
   </p:cSld>
   <p:clrMapOvr>
     <a:masterClrMapping/>
   </p:clrMapOvr>
-  <mc:AlternateContent xmlns:mc="http://schemas.openxmlformats.org/markup-compatibility/2006" xmlns:p14="http://schemas.microsoft.com/office/powerpoint/2010/main">
-    <mc:Choice Requires="p14">
+  <mc:AlternateContent xmlns:mc="http://schemas.openxmlformats.org/markup-compatibility/2006">
+    <mc:Choice xmlns:p14="http://schemas.microsoft.com/office/powerpoint/2010/main" Requires="p14">
       <p:transition spd="med" p14:dur="700">
         <p:fade/>
       </p:transition>
     </mc:Choice>
-    <mc:Fallback xmlns="">
+    <mc:Fallback>
       <p:transition spd="med">
         <p:fade/>
       </p:transition>
@@ -8401,13 +8165,7 @@
       </p:grpSpPr>
       <p:sp>
         <p:nvSpPr>
-          <p:cNvPr id="2" name="标题 1">
-            <a:extLst>
-              <a:ext uri="{FF2B5EF4-FFF2-40B4-BE49-F238E27FC236}">
-                <a16:creationId xmlns:a16="http://schemas.microsoft.com/office/drawing/2014/main" id="{23279F9A-009F-49CE-825A-884D6CBF462A}"/>
-              </a:ext>
-            </a:extLst>
-          </p:cNvPr>
+          <p:cNvPr id="2" name="标题 1"/>
           <p:cNvSpPr>
             <a:spLocks noGrp="1"/>
           </p:cNvSpPr>
@@ -8436,18 +8194,13 @@
               <a:rPr lang="zh-CN" altLang="en-US"/>
               <a:t>概念</a:t>
             </a:r>
+            <a:endParaRPr lang="zh-CN" altLang="en-US"/>
           </a:p>
         </p:txBody>
       </p:sp>
       <p:sp>
         <p:nvSpPr>
-          <p:cNvPr id="3" name="内容占位符 2">
-            <a:extLst>
-              <a:ext uri="{FF2B5EF4-FFF2-40B4-BE49-F238E27FC236}">
-                <a16:creationId xmlns:a16="http://schemas.microsoft.com/office/drawing/2014/main" id="{B3DE04FA-228A-4E1C-A597-7A4E5014B8A9}"/>
-              </a:ext>
-            </a:extLst>
-          </p:cNvPr>
+          <p:cNvPr id="3" name="内容占位符 2"/>
           <p:cNvSpPr>
             <a:spLocks noGrp="1"/>
           </p:cNvSpPr>
@@ -8470,6 +8223,7 @@
               <a:rPr lang="en-US" altLang="zh-CN"/>
               <a:t>:</a:t>
             </a:r>
+            <a:endParaRPr lang="en-US" altLang="zh-CN"/>
           </a:p>
           <a:p>
             <a:pPr lvl="1"/>
@@ -8505,6 +8259,7 @@
               <a:rPr lang="en-US" altLang="zh-CN"/>
               <a:t>).</a:t>
             </a:r>
+            <a:endParaRPr lang="en-US" altLang="zh-CN"/>
           </a:p>
           <a:p>
             <a:pPr lvl="1"/>
@@ -8548,6 +8303,7 @@
               <a:rPr lang="en-US" altLang="zh-CN"/>
               <a:t>.</a:t>
             </a:r>
+            <a:endParaRPr lang="en-US" altLang="zh-CN"/>
           </a:p>
           <a:p>
             <a:pPr lvl="1"/>
@@ -8599,6 +8355,7 @@
               <a:rPr lang="en-US" altLang="zh-CN"/>
               <a:t>.</a:t>
             </a:r>
+            <a:endParaRPr lang="en-US" altLang="zh-CN"/>
           </a:p>
           <a:p>
             <a:r>
@@ -8609,6 +8366,7 @@
               <a:rPr lang="en-US" altLang="zh-CN"/>
               <a:t>?</a:t>
             </a:r>
+            <a:endParaRPr lang="en-US" altLang="zh-CN"/>
           </a:p>
           <a:p>
             <a:pPr lvl="1"/>
@@ -8680,6 +8438,7 @@
               <a:rPr lang="en-US" altLang="zh-CN"/>
               <a:t>.</a:t>
             </a:r>
+            <a:endParaRPr lang="en-US" altLang="zh-CN"/>
           </a:p>
           <a:p>
             <a:r>
@@ -8690,6 +8449,7 @@
               <a:rPr lang="en-US" altLang="zh-CN"/>
               <a:t>?</a:t>
             </a:r>
+            <a:endParaRPr lang="en-US" altLang="zh-CN"/>
           </a:p>
           <a:p>
             <a:pPr lvl="1"/>
@@ -8709,6 +8469,7 @@
               <a:rPr lang="en-US" altLang="zh-CN"/>
               <a:t>.</a:t>
             </a:r>
+            <a:endParaRPr lang="en-US" altLang="zh-CN"/>
           </a:p>
           <a:p>
             <a:pPr lvl="1"/>
@@ -8744,6 +8505,7 @@
               <a:rPr lang="en-US" altLang="zh-CN"/>
               <a:t>.</a:t>
             </a:r>
+            <a:endParaRPr lang="en-US" altLang="zh-CN"/>
           </a:p>
           <a:p>
             <a:endParaRPr lang="zh-CN" altLang="en-US"/>
@@ -8751,22 +8513,17 @@
         </p:txBody>
       </p:sp>
     </p:spTree>
-    <p:extLst>
-      <p:ext uri="{BB962C8B-B14F-4D97-AF65-F5344CB8AC3E}">
-        <p14:creationId xmlns:p14="http://schemas.microsoft.com/office/powerpoint/2010/main" val="415641666"/>
-      </p:ext>
-    </p:extLst>
   </p:cSld>
   <p:clrMapOvr>
     <a:masterClrMapping/>
   </p:clrMapOvr>
-  <mc:AlternateContent xmlns:mc="http://schemas.openxmlformats.org/markup-compatibility/2006" xmlns:p14="http://schemas.microsoft.com/office/powerpoint/2010/main">
-    <mc:Choice Requires="p14">
+  <mc:AlternateContent xmlns:mc="http://schemas.openxmlformats.org/markup-compatibility/2006">
+    <mc:Choice xmlns:p14="http://schemas.microsoft.com/office/powerpoint/2010/main" Requires="p14">
       <p:transition spd="med" p14:dur="700">
         <p:fade/>
       </p:transition>
     </mc:Choice>
-    <mc:Fallback xmlns="">
+    <mc:Fallback>
       <p:transition spd="med">
         <p:fade/>
       </p:transition>
@@ -9308,13 +9065,7 @@
       </p:grpSpPr>
       <p:sp>
         <p:nvSpPr>
-          <p:cNvPr id="2" name="标题 1">
-            <a:extLst>
-              <a:ext uri="{FF2B5EF4-FFF2-40B4-BE49-F238E27FC236}">
-                <a16:creationId xmlns:a16="http://schemas.microsoft.com/office/drawing/2014/main" id="{4C742478-AE7C-4A5D-8F06-E82617BAEDE0}"/>
-              </a:ext>
-            </a:extLst>
-          </p:cNvPr>
+          <p:cNvPr id="2" name="标题 1"/>
           <p:cNvSpPr>
             <a:spLocks noGrp="1"/>
           </p:cNvSpPr>
@@ -9345,13 +9096,7 @@
       </p:sp>
       <p:sp>
         <p:nvSpPr>
-          <p:cNvPr id="3" name="内容占位符 2">
-            <a:extLst>
-              <a:ext uri="{FF2B5EF4-FFF2-40B4-BE49-F238E27FC236}">
-                <a16:creationId xmlns:a16="http://schemas.microsoft.com/office/drawing/2014/main" id="{C79E2B69-A4FB-401F-8A6B-C867EE3FCCC4}"/>
-              </a:ext>
-            </a:extLst>
-          </p:cNvPr>
+          <p:cNvPr id="3" name="内容占位符 2"/>
           <p:cNvSpPr>
             <a:spLocks noGrp="1"/>
           </p:cNvSpPr>
@@ -9362,7 +9107,7 @@
         <p:spPr/>
         <p:txBody>
           <a:bodyPr>
-            <a:normAutofit fontScale="85000" lnSpcReduction="10000"/>
+            <a:normAutofit fontScale="85000"/>
           </a:bodyPr>
           <a:lstStyle/>
           <a:p>
@@ -9412,8 +9157,21 @@
             </a:r>
             <a:r>
               <a:rPr lang="zh-CN" altLang="en-US"/>
-              <a:t>应用的所有组件的状态，并以相应的规则保证状态以一种可预测的方式发生变化。</a:t>
-            </a:r>
+              <a:t>应用的所有组件的状态，并以</a:t>
+            </a:r>
+            <a:r>
+              <a:rPr lang="zh-CN" altLang="en-US">
+                <a:solidFill>
+                  <a:srgbClr val="FF0000"/>
+                </a:solidFill>
+              </a:rPr>
+              <a:t>相应的规则</a:t>
+            </a:r>
+            <a:r>
+              <a:rPr lang="zh-CN" altLang="en-US"/>
+              <a:t>保证状态以一种可预测的方式发生变化。</a:t>
+            </a:r>
+            <a:endParaRPr lang="zh-CN" altLang="en-US"/>
           </a:p>
           <a:p>
             <a:pPr lvl="1"/>
@@ -9435,7 +9193,7 @@
             </a:r>
             <a:r>
               <a:rPr lang="en-US" altLang="zh-CN">
-                <a:hlinkClick r:id="rId2"/>
+                <a:hlinkClick r:id="rId1"/>
               </a:rPr>
               <a:t>devtools extension</a:t>
             </a:r>
@@ -9462,6 +9220,7 @@
               <a:rPr lang="zh-CN" altLang="en-US"/>
               <a:t>到底是什么？</a:t>
             </a:r>
+            <a:endParaRPr lang="zh-CN" altLang="en-US"/>
           </a:p>
           <a:p>
             <a:pPr lvl="1"/>
@@ -9473,28 +9232,47 @@
               <a:rPr lang="zh-CN" altLang="en-US"/>
               <a:t>这些名词听起来就非常高大上，让人捉摸不透。</a:t>
             </a:r>
+            <a:endParaRPr lang="zh-CN" altLang="en-US"/>
           </a:p>
           <a:p>
             <a:pPr lvl="1"/>
             <a:r>
               <a:rPr lang="zh-CN" altLang="en-US"/>
-              <a:t>其实，你可以简单的将其看成把需要多个组件共享的变量全部存储在一个对象里面。</a:t>
-            </a:r>
+              <a:t>其实，</a:t>
+            </a:r>
+            <a:r>
+              <a:rPr lang="zh-CN" altLang="en-US" u="sng"/>
+              <a:t>你可以简单的将其看成把需要多个组件共享的变量全部存储在一个对象里面</a:t>
+            </a:r>
+            <a:r>
+              <a:rPr lang="zh-CN" altLang="en-US"/>
+              <a:t>。</a:t>
+            </a:r>
+            <a:endParaRPr lang="zh-CN" altLang="en-US"/>
           </a:p>
           <a:p>
             <a:pPr lvl="1"/>
             <a:r>
               <a:rPr lang="zh-CN" altLang="en-US"/>
-              <a:t>然后，将这个对象放在顶层的</a:t>
-            </a:r>
-            <a:r>
-              <a:rPr lang="en-US" altLang="zh-CN"/>
+              <a:t>然后，</a:t>
+            </a:r>
+            <a:r>
+              <a:rPr lang="zh-CN" altLang="en-US" u="sng"/>
+              <a:t>将这个对象放在顶层的</a:t>
+            </a:r>
+            <a:r>
+              <a:rPr lang="en-US" altLang="zh-CN" u="sng"/>
               <a:t>Vue</a:t>
             </a:r>
             <a:r>
-              <a:rPr lang="zh-CN" altLang="en-US"/>
-              <a:t>实例中，让其他组件可以使用。</a:t>
-            </a:r>
+              <a:rPr lang="zh-CN" altLang="en-US" u="sng"/>
+              <a:t>实例中</a:t>
+            </a:r>
+            <a:r>
+              <a:rPr lang="zh-CN" altLang="en-US"/>
+              <a:t>，让其他组件可以使用。</a:t>
+            </a:r>
+            <a:endParaRPr lang="zh-CN" altLang="en-US"/>
           </a:p>
           <a:p>
             <a:pPr lvl="1"/>
@@ -9517,6 +9295,7 @@
               <a:rPr lang="zh-CN" altLang="en-US"/>
               <a:t>呢？难道我们不能自己封装一个对象来管理吗？</a:t>
             </a:r>
+            <a:endParaRPr lang="zh-CN" altLang="en-US"/>
           </a:p>
           <a:p>
             <a:pPr lvl="1"/>
@@ -9532,6 +9311,7 @@
               <a:rPr lang="zh-CN" altLang="en-US"/>
               <a:t>带给我们最大的便利是什么呢？没错，就是响应式。</a:t>
             </a:r>
+            <a:endParaRPr lang="zh-CN" altLang="en-US"/>
           </a:p>
           <a:p>
             <a:pPr lvl="1"/>
@@ -9539,6 +9319,7 @@
               <a:rPr lang="zh-CN" altLang="en-US"/>
               <a:t>如果你自己封装实现一个对象能不能保证它里面所有的属性做到响应式呢？当然也可以，只是自己封装可能稍微麻烦一些。</a:t>
             </a:r>
+            <a:endParaRPr lang="zh-CN" altLang="en-US"/>
           </a:p>
           <a:p>
             <a:pPr lvl="1"/>
@@ -9554,6 +9335,7 @@
               <a:rPr lang="zh-CN" altLang="en-US"/>
               <a:t>就是为了提供这样一个在多个组件间共享状态的插件，用它就可以了。</a:t>
             </a:r>
+            <a:endParaRPr lang="zh-CN" altLang="en-US"/>
           </a:p>
           <a:p>
             <a:endParaRPr lang="zh-CN" altLang="en-US"/>
@@ -9564,22 +9346,17 @@
         </p:txBody>
       </p:sp>
     </p:spTree>
-    <p:extLst>
-      <p:ext uri="{BB962C8B-B14F-4D97-AF65-F5344CB8AC3E}">
-        <p14:creationId xmlns:p14="http://schemas.microsoft.com/office/powerpoint/2010/main" val="807629210"/>
-      </p:ext>
-    </p:extLst>
   </p:cSld>
   <p:clrMapOvr>
     <a:masterClrMapping/>
   </p:clrMapOvr>
-  <mc:AlternateContent xmlns:mc="http://schemas.openxmlformats.org/markup-compatibility/2006" xmlns:p14="http://schemas.microsoft.com/office/powerpoint/2010/main">
-    <mc:Choice Requires="p14">
+  <mc:AlternateContent xmlns:mc="http://schemas.openxmlformats.org/markup-compatibility/2006">
+    <mc:Choice xmlns:p14="http://schemas.microsoft.com/office/powerpoint/2010/main" Requires="p14">
       <p:transition spd="med" p14:dur="700">
         <p:fade/>
       </p:transition>
     </mc:Choice>
-    <mc:Fallback xmlns="">
+    <mc:Fallback>
       <p:transition spd="med">
         <p:fade/>
       </p:transition>
@@ -10207,13 +9984,7 @@
       </p:grpSpPr>
       <p:sp>
         <p:nvSpPr>
-          <p:cNvPr id="2" name="标题 1">
-            <a:extLst>
-              <a:ext uri="{FF2B5EF4-FFF2-40B4-BE49-F238E27FC236}">
-                <a16:creationId xmlns:a16="http://schemas.microsoft.com/office/drawing/2014/main" id="{FDD87AD3-AB6B-4E7E-905B-BE87ED210E80}"/>
-              </a:ext>
-            </a:extLst>
-          </p:cNvPr>
+          <p:cNvPr id="2" name="标题 1"/>
           <p:cNvSpPr>
             <a:spLocks noGrp="1"/>
           </p:cNvSpPr>
@@ -10242,18 +10013,13 @@
               <a:rPr lang="zh-CN" altLang="en-US"/>
               <a:t>代码</a:t>
             </a:r>
+            <a:endParaRPr lang="zh-CN" altLang="en-US"/>
           </a:p>
         </p:txBody>
       </p:sp>
       <p:pic>
         <p:nvPicPr>
-          <p:cNvPr id="2050" name="Picture 2" descr="img">
-            <a:extLst>
-              <a:ext uri="{FF2B5EF4-FFF2-40B4-BE49-F238E27FC236}">
-                <a16:creationId xmlns:a16="http://schemas.microsoft.com/office/drawing/2014/main" id="{6880333F-DB79-4620-AD0D-2E8B706F209D}"/>
-              </a:ext>
-            </a:extLst>
-          </p:cNvPr>
+          <p:cNvPr id="2050" name="Picture 2" descr="img"/>
           <p:cNvPicPr>
             <a:picLocks noGrp="1" noChangeAspect="1" noChangeArrowheads="1"/>
           </p:cNvPicPr>
@@ -10262,7 +10028,7 @@
           </p:nvPr>
         </p:nvPicPr>
         <p:blipFill>
-          <a:blip r:embed="rId2">
+          <a:blip r:embed="rId1">
             <a:extLst>
               <a:ext uri="{28A0092B-C50C-407E-A947-70E740481C1C}">
                 <a14:useLocalDpi xmlns:a14="http://schemas.microsoft.com/office/drawing/2010/main" val="0"/>
@@ -10296,20 +10062,14 @@
       </p:pic>
       <p:pic>
         <p:nvPicPr>
-          <p:cNvPr id="2052" name="Picture 4" descr="img">
-            <a:extLst>
-              <a:ext uri="{FF2B5EF4-FFF2-40B4-BE49-F238E27FC236}">
-                <a16:creationId xmlns:a16="http://schemas.microsoft.com/office/drawing/2014/main" id="{075B6D74-244B-42ED-904F-76E647607179}"/>
-              </a:ext>
-            </a:extLst>
-          </p:cNvPr>
+          <p:cNvPr id="2052" name="Picture 4" descr="img"/>
           <p:cNvPicPr>
             <a:picLocks noChangeAspect="1" noChangeArrowheads="1"/>
           </p:cNvPicPr>
           <p:nvPr/>
         </p:nvPicPr>
         <p:blipFill>
-          <a:blip r:embed="rId3">
+          <a:blip r:embed="rId2">
             <a:extLst>
               <a:ext uri="{28A0092B-C50C-407E-A947-70E740481C1C}">
                 <a14:useLocalDpi xmlns:a14="http://schemas.microsoft.com/office/drawing/2010/main" val="0"/>
@@ -10343,20 +10103,14 @@
       </p:pic>
       <p:pic>
         <p:nvPicPr>
-          <p:cNvPr id="2054" name="Picture 6" descr="img">
-            <a:extLst>
-              <a:ext uri="{FF2B5EF4-FFF2-40B4-BE49-F238E27FC236}">
-                <a16:creationId xmlns:a16="http://schemas.microsoft.com/office/drawing/2014/main" id="{8EA81909-09DF-490B-AB72-DAD8EFE60739}"/>
-              </a:ext>
-            </a:extLst>
-          </p:cNvPr>
+          <p:cNvPr id="2054" name="Picture 6" descr="img"/>
           <p:cNvPicPr>
             <a:picLocks noChangeAspect="1" noChangeArrowheads="1"/>
           </p:cNvPicPr>
           <p:nvPr/>
         </p:nvPicPr>
         <p:blipFill>
-          <a:blip r:embed="rId4">
+          <a:blip r:embed="rId3">
             <a:extLst>
               <a:ext uri="{28A0092B-C50C-407E-A947-70E740481C1C}">
                 <a14:useLocalDpi xmlns:a14="http://schemas.microsoft.com/office/drawing/2010/main" val="0"/>
@@ -10389,22 +10143,17 @@
         </p:spPr>
       </p:pic>
     </p:spTree>
-    <p:extLst>
-      <p:ext uri="{BB962C8B-B14F-4D97-AF65-F5344CB8AC3E}">
-        <p14:creationId xmlns:p14="http://schemas.microsoft.com/office/powerpoint/2010/main" val="1653944710"/>
-      </p:ext>
-    </p:extLst>
   </p:cSld>
   <p:clrMapOvr>
     <a:masterClrMapping/>
   </p:clrMapOvr>
-  <mc:AlternateContent xmlns:mc="http://schemas.openxmlformats.org/markup-compatibility/2006" xmlns:p14="http://schemas.microsoft.com/office/powerpoint/2010/main">
-    <mc:Choice Requires="p14">
+  <mc:AlternateContent xmlns:mc="http://schemas.openxmlformats.org/markup-compatibility/2006">
+    <mc:Choice xmlns:p14="http://schemas.microsoft.com/office/powerpoint/2010/main" Requires="p14">
       <p:transition spd="med" p14:dur="700">
         <p:fade/>
       </p:transition>
     </mc:Choice>
-    <mc:Fallback xmlns="">
+    <mc:Fallback>
       <p:transition spd="med">
         <p:fade/>
       </p:transition>
@@ -10621,13 +10370,7 @@
       </p:grpSpPr>
       <p:sp>
         <p:nvSpPr>
-          <p:cNvPr id="2" name="标题 1">
-            <a:extLst>
-              <a:ext uri="{FF2B5EF4-FFF2-40B4-BE49-F238E27FC236}">
-                <a16:creationId xmlns:a16="http://schemas.microsoft.com/office/drawing/2014/main" id="{70DE445E-EEAB-463C-BEA6-F3EA8E7A422E}"/>
-              </a:ext>
-            </a:extLst>
-          </p:cNvPr>
+          <p:cNvPr id="2" name="标题 1"/>
           <p:cNvSpPr>
             <a:spLocks noGrp="1"/>
           </p:cNvSpPr>
@@ -10648,18 +10391,13 @@
               <a:rPr lang="zh-CN" altLang="en-US"/>
               <a:t>同步函数</a:t>
             </a:r>
+            <a:endParaRPr lang="zh-CN" altLang="en-US"/>
           </a:p>
         </p:txBody>
       </p:sp>
       <p:sp>
         <p:nvSpPr>
-          <p:cNvPr id="3" name="内容占位符 2">
-            <a:extLst>
-              <a:ext uri="{FF2B5EF4-FFF2-40B4-BE49-F238E27FC236}">
-                <a16:creationId xmlns:a16="http://schemas.microsoft.com/office/drawing/2014/main" id="{0EF6DAEF-DA2D-48A5-8502-D2C198259131}"/>
-              </a:ext>
-            </a:extLst>
-          </p:cNvPr>
+          <p:cNvPr id="3" name="内容占位符 2"/>
           <p:cNvSpPr>
             <a:spLocks noGrp="1"/>
           </p:cNvSpPr>
@@ -10703,6 +10441,7 @@
               <a:rPr lang="en-US" altLang="zh-CN" sz="1600"/>
               <a:t>.</a:t>
             </a:r>
+            <a:endParaRPr lang="en-US" altLang="zh-CN" sz="1600"/>
           </a:p>
           <a:p>
             <a:pPr lvl="1"/>
@@ -10746,6 +10485,7 @@
               <a:rPr lang="en-US" altLang="zh-CN" sz="1600"/>
               <a:t>.</a:t>
             </a:r>
+            <a:endParaRPr lang="en-US" altLang="zh-CN" sz="1600"/>
           </a:p>
           <a:p>
             <a:pPr lvl="1"/>
@@ -10773,6 +10513,7 @@
               <a:rPr lang="en-US" altLang="zh-CN" sz="1600"/>
               <a:t>.</a:t>
             </a:r>
+            <a:endParaRPr lang="en-US" altLang="zh-CN" sz="1600"/>
           </a:p>
           <a:p>
             <a:r>
@@ -10807,6 +10548,7 @@
               <a:rPr lang="en-US" altLang="zh-CN" sz="1600"/>
               <a:t>1</a:t>
             </a:r>
+            <a:endParaRPr lang="en-US" altLang="zh-CN" sz="1600"/>
           </a:p>
           <a:p>
             <a:r>
@@ -10849,6 +10591,7 @@
               <a:rPr lang="en-US" altLang="zh-CN" sz="1600"/>
               <a:t>2</a:t>
             </a:r>
+            <a:endParaRPr lang="en-US" altLang="zh-CN" sz="1600"/>
           </a:p>
           <a:p>
             <a:endParaRPr lang="en-US" altLang="zh-CN" sz="1600"/>
@@ -10898,6 +10641,7 @@
               <a:rPr lang="en-US" altLang="zh-CN" sz="1600"/>
               <a:t>.</a:t>
             </a:r>
+            <a:endParaRPr lang="en-US" altLang="zh-CN" sz="1600"/>
           </a:p>
           <a:p>
             <a:r>
@@ -10936,20 +10680,14 @@
       </p:sp>
       <p:pic>
         <p:nvPicPr>
-          <p:cNvPr id="3074" name="Picture 2" descr="img">
-            <a:extLst>
-              <a:ext uri="{FF2B5EF4-FFF2-40B4-BE49-F238E27FC236}">
-                <a16:creationId xmlns:a16="http://schemas.microsoft.com/office/drawing/2014/main" id="{3C56991C-73C0-4164-9CB7-F0CA5AB93A3A}"/>
-              </a:ext>
-            </a:extLst>
-          </p:cNvPr>
+          <p:cNvPr id="3074" name="Picture 2" descr="img"/>
           <p:cNvPicPr>
             <a:picLocks noChangeAspect="1" noChangeArrowheads="1"/>
           </p:cNvPicPr>
           <p:nvPr/>
         </p:nvPicPr>
         <p:blipFill>
-          <a:blip r:embed="rId2">
+          <a:blip r:embed="rId1">
             <a:extLst>
               <a:ext uri="{28A0092B-C50C-407E-A947-70E740481C1C}">
                 <a14:useLocalDpi xmlns:a14="http://schemas.microsoft.com/office/drawing/2010/main" val="0"/>
@@ -10983,20 +10721,14 @@
       </p:pic>
       <p:pic>
         <p:nvPicPr>
-          <p:cNvPr id="3076" name="Picture 4" descr="img">
-            <a:extLst>
-              <a:ext uri="{FF2B5EF4-FFF2-40B4-BE49-F238E27FC236}">
-                <a16:creationId xmlns:a16="http://schemas.microsoft.com/office/drawing/2014/main" id="{75D62D2D-53D0-424D-8574-53045479C458}"/>
-              </a:ext>
-            </a:extLst>
-          </p:cNvPr>
+          <p:cNvPr id="3076" name="Picture 4" descr="img"/>
           <p:cNvPicPr>
             <a:picLocks noChangeAspect="1" noChangeArrowheads="1"/>
           </p:cNvPicPr>
           <p:nvPr/>
         </p:nvPicPr>
         <p:blipFill>
-          <a:blip r:embed="rId3">
+          <a:blip r:embed="rId2">
             <a:extLst>
               <a:ext uri="{28A0092B-C50C-407E-A947-70E740481C1C}">
                 <a14:useLocalDpi xmlns:a14="http://schemas.microsoft.com/office/drawing/2010/main" val="0"/>
@@ -11029,22 +10761,17 @@
         </p:spPr>
       </p:pic>
     </p:spTree>
-    <p:extLst>
-      <p:ext uri="{BB962C8B-B14F-4D97-AF65-F5344CB8AC3E}">
-        <p14:creationId xmlns:p14="http://schemas.microsoft.com/office/powerpoint/2010/main" val="378390990"/>
-      </p:ext>
-    </p:extLst>
   </p:cSld>
   <p:clrMapOvr>
     <a:masterClrMapping/>
   </p:clrMapOvr>
-  <mc:AlternateContent xmlns:mc="http://schemas.openxmlformats.org/markup-compatibility/2006" xmlns:p14="http://schemas.microsoft.com/office/powerpoint/2010/main">
-    <mc:Choice Requires="p14">
+  <mc:AlternateContent xmlns:mc="http://schemas.openxmlformats.org/markup-compatibility/2006">
+    <mc:Choice xmlns:p14="http://schemas.microsoft.com/office/powerpoint/2010/main" Requires="p14">
       <p:transition spd="med" p14:dur="700">
         <p:fade/>
       </p:transition>
     </mc:Choice>
-    <mc:Fallback xmlns="">
+    <mc:Fallback>
       <p:transition spd="med">
         <p:fade/>
       </p:transition>
@@ -11581,13 +11308,7 @@
       </p:grpSpPr>
       <p:sp>
         <p:nvSpPr>
-          <p:cNvPr id="2" name="标题 1">
-            <a:extLst>
-              <a:ext uri="{FF2B5EF4-FFF2-40B4-BE49-F238E27FC236}">
-                <a16:creationId xmlns:a16="http://schemas.microsoft.com/office/drawing/2014/main" id="{AC992EA5-BFA2-46AE-8BF5-737235E1E00B}"/>
-              </a:ext>
-            </a:extLst>
-          </p:cNvPr>
+          <p:cNvPr id="2" name="标题 1"/>
           <p:cNvSpPr>
             <a:spLocks noGrp="1"/>
           </p:cNvSpPr>
@@ -11608,18 +11329,13 @@
               <a:rPr lang="zh-CN" altLang="en-US"/>
               <a:t>的基本定义</a:t>
             </a:r>
+            <a:endParaRPr lang="zh-CN" altLang="en-US"/>
           </a:p>
         </p:txBody>
       </p:sp>
       <p:sp>
         <p:nvSpPr>
-          <p:cNvPr id="3" name="内容占位符 2">
-            <a:extLst>
-              <a:ext uri="{FF2B5EF4-FFF2-40B4-BE49-F238E27FC236}">
-                <a16:creationId xmlns:a16="http://schemas.microsoft.com/office/drawing/2014/main" id="{F7FC4D5F-17BA-4444-9C91-6AFDB494EB9F}"/>
-              </a:ext>
-            </a:extLst>
-          </p:cNvPr>
+          <p:cNvPr id="3" name="内容占位符 2"/>
           <p:cNvSpPr>
             <a:spLocks noGrp="1"/>
           </p:cNvSpPr>
@@ -11663,6 +11379,7 @@
               <a:rPr lang="en-US" altLang="zh-CN"/>
               <a:t>.</a:t>
             </a:r>
+            <a:endParaRPr lang="en-US" altLang="zh-CN"/>
           </a:p>
           <a:p>
             <a:pPr lvl="1"/>
@@ -11714,6 +11431,7 @@
               <a:rPr lang="en-US" altLang="zh-CN"/>
               <a:t>?</a:t>
             </a:r>
+            <a:endParaRPr lang="en-US" altLang="zh-CN"/>
           </a:p>
           <a:p>
             <a:pPr lvl="1"/>
@@ -11745,6 +11463,7 @@
               <a:rPr lang="en-US" altLang="zh-CN"/>
               <a:t>.</a:t>
             </a:r>
+            <a:endParaRPr lang="en-US" altLang="zh-CN"/>
           </a:p>
           <a:p>
             <a:r>
@@ -11759,6 +11478,7 @@
               <a:rPr lang="en-US" altLang="zh-CN"/>
               <a:t>:</a:t>
             </a:r>
+            <a:endParaRPr lang="en-US" altLang="zh-CN"/>
           </a:p>
           <a:p>
             <a:r>
@@ -11773,6 +11493,7 @@
               <a:rPr lang="en-US" altLang="zh-CN"/>
               <a:t>?</a:t>
             </a:r>
+            <a:endParaRPr lang="en-US" altLang="zh-CN"/>
           </a:p>
           <a:p>
             <a:pPr lvl="1"/>
@@ -11796,6 +11517,7 @@
               <a:rPr lang="en-US" altLang="zh-CN"/>
               <a:t>.</a:t>
             </a:r>
+            <a:endParaRPr lang="en-US" altLang="zh-CN"/>
           </a:p>
           <a:p>
             <a:pPr lvl="1"/>
@@ -11847,6 +11569,7 @@
               <a:rPr lang="en-US" altLang="zh-CN"/>
               <a:t>.</a:t>
             </a:r>
+            <a:endParaRPr lang="en-US" altLang="zh-CN"/>
           </a:p>
           <a:p>
             <a:pPr lvl="1"/>
@@ -11898,6 +11621,7 @@
               <a:rPr lang="en-US" altLang="zh-CN"/>
               <a:t>.</a:t>
             </a:r>
+            <a:endParaRPr lang="en-US" altLang="zh-CN"/>
           </a:p>
           <a:p>
             <a:r>
@@ -11908,6 +11632,7 @@
               <a:rPr lang="en-US" altLang="zh-CN"/>
               <a:t>?</a:t>
             </a:r>
+            <a:endParaRPr lang="en-US" altLang="zh-CN"/>
           </a:p>
           <a:p>
             <a:pPr lvl="1"/>
@@ -11943,6 +11668,7 @@
               <a:rPr lang="en-US" altLang="zh-CN"/>
               <a:t>?</a:t>
             </a:r>
+            <a:endParaRPr lang="en-US" altLang="zh-CN"/>
           </a:p>
           <a:p>
             <a:pPr lvl="1"/>
@@ -11986,6 +11712,7 @@
               <a:rPr lang="en-US" altLang="zh-CN"/>
               <a:t>.</a:t>
             </a:r>
+            <a:endParaRPr lang="en-US" altLang="zh-CN"/>
           </a:p>
           <a:p>
             <a:endParaRPr lang="zh-CN" altLang="en-US"/>
@@ -11994,20 +11721,14 @@
       </p:sp>
       <p:pic>
         <p:nvPicPr>
-          <p:cNvPr id="4098" name="Picture 2" descr="img">
-            <a:extLst>
-              <a:ext uri="{FF2B5EF4-FFF2-40B4-BE49-F238E27FC236}">
-                <a16:creationId xmlns:a16="http://schemas.microsoft.com/office/drawing/2014/main" id="{3AA34DC2-7B48-491D-A339-D9E087CA00E0}"/>
-              </a:ext>
-            </a:extLst>
-          </p:cNvPr>
+          <p:cNvPr id="4098" name="Picture 2" descr="img"/>
           <p:cNvPicPr>
             <a:picLocks noChangeAspect="1" noChangeArrowheads="1"/>
           </p:cNvPicPr>
           <p:nvPr/>
         </p:nvPicPr>
         <p:blipFill>
-          <a:blip r:embed="rId2">
+          <a:blip r:embed="rId1">
             <a:extLst>
               <a:ext uri="{28A0092B-C50C-407E-A947-70E740481C1C}">
                 <a14:useLocalDpi xmlns:a14="http://schemas.microsoft.com/office/drawing/2010/main" val="0"/>
@@ -12040,22 +11761,17 @@
         </p:spPr>
       </p:pic>
     </p:spTree>
-    <p:extLst>
-      <p:ext uri="{BB962C8B-B14F-4D97-AF65-F5344CB8AC3E}">
-        <p14:creationId xmlns:p14="http://schemas.microsoft.com/office/powerpoint/2010/main" val="21892557"/>
-      </p:ext>
-    </p:extLst>
   </p:cSld>
   <p:clrMapOvr>
     <a:masterClrMapping/>
   </p:clrMapOvr>
-  <mc:AlternateContent xmlns:mc="http://schemas.openxmlformats.org/markup-compatibility/2006" xmlns:p14="http://schemas.microsoft.com/office/powerpoint/2010/main">
-    <mc:Choice Requires="p14">
+  <mc:AlternateContent xmlns:mc="http://schemas.openxmlformats.org/markup-compatibility/2006">
+    <mc:Choice xmlns:p14="http://schemas.microsoft.com/office/powerpoint/2010/main" Requires="p14">
       <p:transition spd="med" p14:dur="700">
         <p:fade/>
       </p:transition>
     </mc:Choice>
-    <mc:Fallback xmlns="">
+    <mc:Fallback>
       <p:transition spd="med">
         <p:fade/>
       </p:transition>
@@ -12711,13 +12427,7 @@
       </p:grpSpPr>
       <p:sp>
         <p:nvSpPr>
-          <p:cNvPr id="2" name="标题 1">
-            <a:extLst>
-              <a:ext uri="{FF2B5EF4-FFF2-40B4-BE49-F238E27FC236}">
-                <a16:creationId xmlns:a16="http://schemas.microsoft.com/office/drawing/2014/main" id="{FC84BAE7-2344-4FD0-9016-09FA3EF84B58}"/>
-              </a:ext>
-            </a:extLst>
-          </p:cNvPr>
+          <p:cNvPr id="2" name="标题 1"/>
           <p:cNvSpPr>
             <a:spLocks noGrp="1"/>
           </p:cNvSpPr>
@@ -12738,18 +12448,13 @@
               <a:rPr lang="zh-CN" altLang="en-US"/>
               <a:t>的分发</a:t>
             </a:r>
+            <a:endParaRPr lang="zh-CN" altLang="en-US"/>
           </a:p>
         </p:txBody>
       </p:sp>
       <p:sp>
         <p:nvSpPr>
-          <p:cNvPr id="3" name="内容占位符 2">
-            <a:extLst>
-              <a:ext uri="{FF2B5EF4-FFF2-40B4-BE49-F238E27FC236}">
-                <a16:creationId xmlns:a16="http://schemas.microsoft.com/office/drawing/2014/main" id="{71E8ED73-9E7B-4CB7-96E7-D4303B67CF2B}"/>
-              </a:ext>
-            </a:extLst>
-          </p:cNvPr>
+          <p:cNvPr id="3" name="内容占位符 2"/>
           <p:cNvSpPr>
             <a:spLocks noGrp="1"/>
           </p:cNvSpPr>
@@ -12802,6 +12507,7 @@
               <a:rPr lang="en-US" altLang="zh-CN"/>
               <a:t>dispatch</a:t>
             </a:r>
+            <a:endParaRPr lang="en-US" altLang="zh-CN"/>
           </a:p>
           <a:p>
             <a:endParaRPr lang="en-US" altLang="zh-CN"/>
@@ -12838,20 +12544,14 @@
       </p:sp>
       <p:pic>
         <p:nvPicPr>
-          <p:cNvPr id="5122" name="Picture 2" descr="img">
-            <a:extLst>
-              <a:ext uri="{FF2B5EF4-FFF2-40B4-BE49-F238E27FC236}">
-                <a16:creationId xmlns:a16="http://schemas.microsoft.com/office/drawing/2014/main" id="{DA97627F-2F8C-4446-A7A5-528B29563A00}"/>
-              </a:ext>
-            </a:extLst>
-          </p:cNvPr>
+          <p:cNvPr id="5122" name="Picture 2" descr="img"/>
           <p:cNvPicPr>
             <a:picLocks noChangeAspect="1" noChangeArrowheads="1"/>
           </p:cNvPicPr>
           <p:nvPr/>
         </p:nvPicPr>
         <p:blipFill>
-          <a:blip r:embed="rId2">
+          <a:blip r:embed="rId1">
             <a:extLst>
               <a:ext uri="{28A0092B-C50C-407E-A947-70E740481C1C}">
                 <a14:useLocalDpi xmlns:a14="http://schemas.microsoft.com/office/drawing/2010/main" val="0"/>
@@ -12885,20 +12585,14 @@
       </p:pic>
       <p:pic>
         <p:nvPicPr>
-          <p:cNvPr id="5124" name="Picture 4" descr="img">
-            <a:extLst>
-              <a:ext uri="{FF2B5EF4-FFF2-40B4-BE49-F238E27FC236}">
-                <a16:creationId xmlns:a16="http://schemas.microsoft.com/office/drawing/2014/main" id="{22052F4D-EB90-4728-AFB4-DFF343FA0768}"/>
-              </a:ext>
-            </a:extLst>
-          </p:cNvPr>
+          <p:cNvPr id="5124" name="Picture 4" descr="img"/>
           <p:cNvPicPr>
             <a:picLocks noChangeAspect="1" noChangeArrowheads="1"/>
           </p:cNvPicPr>
           <p:nvPr/>
         </p:nvPicPr>
         <p:blipFill>
-          <a:blip r:embed="rId3">
+          <a:blip r:embed="rId2">
             <a:extLst>
               <a:ext uri="{28A0092B-C50C-407E-A947-70E740481C1C}">
                 <a14:useLocalDpi xmlns:a14="http://schemas.microsoft.com/office/drawing/2010/main" val="0"/>
@@ -12931,22 +12625,17 @@
         </p:spPr>
       </p:pic>
     </p:spTree>
-    <p:extLst>
-      <p:ext uri="{BB962C8B-B14F-4D97-AF65-F5344CB8AC3E}">
-        <p14:creationId xmlns:p14="http://schemas.microsoft.com/office/powerpoint/2010/main" val="3072974250"/>
-      </p:ext>
-    </p:extLst>
   </p:cSld>
   <p:clrMapOvr>
     <a:masterClrMapping/>
   </p:clrMapOvr>
-  <mc:AlternateContent xmlns:mc="http://schemas.openxmlformats.org/markup-compatibility/2006" xmlns:p14="http://schemas.microsoft.com/office/powerpoint/2010/main">
-    <mc:Choice Requires="p14">
+  <mc:AlternateContent xmlns:mc="http://schemas.openxmlformats.org/markup-compatibility/2006">
+    <mc:Choice xmlns:p14="http://schemas.microsoft.com/office/powerpoint/2010/main" Requires="p14">
       <p:transition spd="med" p14:dur="700">
         <p:fade/>
       </p:transition>
     </mc:Choice>
-    <mc:Fallback xmlns="">
+    <mc:Fallback>
       <p:transition spd="med">
         <p:fade/>
       </p:transition>
@@ -13232,13 +12921,7 @@
       </p:grpSpPr>
       <p:sp>
         <p:nvSpPr>
-          <p:cNvPr id="2" name="标题 1">
-            <a:extLst>
-              <a:ext uri="{FF2B5EF4-FFF2-40B4-BE49-F238E27FC236}">
-                <a16:creationId xmlns:a16="http://schemas.microsoft.com/office/drawing/2014/main" id="{AA1141E2-0015-4662-B34D-399C43C7E438}"/>
-              </a:ext>
-            </a:extLst>
-          </p:cNvPr>
+          <p:cNvPr id="2" name="标题 1"/>
           <p:cNvSpPr>
             <a:spLocks noGrp="1"/>
           </p:cNvSpPr>
@@ -13271,13 +12954,7 @@
       </p:sp>
       <p:sp>
         <p:nvSpPr>
-          <p:cNvPr id="3" name="内容占位符 2">
-            <a:extLst>
-              <a:ext uri="{FF2B5EF4-FFF2-40B4-BE49-F238E27FC236}">
-                <a16:creationId xmlns:a16="http://schemas.microsoft.com/office/drawing/2014/main" id="{10C666D3-EF5B-44EB-A673-E8AC53E8AEF6}"/>
-              </a:ext>
-            </a:extLst>
-          </p:cNvPr>
+          <p:cNvPr id="3" name="内容占位符 2"/>
           <p:cNvSpPr>
             <a:spLocks noGrp="1"/>
           </p:cNvSpPr>
@@ -13314,6 +12991,7 @@
               <a:rPr lang="en-US" altLang="zh-CN"/>
               <a:t>.</a:t>
             </a:r>
+            <a:endParaRPr lang="en-US" altLang="zh-CN"/>
           </a:p>
           <a:p>
             <a:pPr lvl="1"/>
@@ -13373,6 +13051,7 @@
               <a:rPr lang="en-US" altLang="zh-CN"/>
               <a:t>reject.</a:t>
             </a:r>
+            <a:endParaRPr lang="en-US" altLang="zh-CN"/>
           </a:p>
           <a:p>
             <a:r>
@@ -13387,6 +13066,7 @@
               <a:rPr lang="en-US" altLang="zh-CN"/>
               <a:t>:</a:t>
             </a:r>
+            <a:endParaRPr lang="en-US" altLang="zh-CN"/>
           </a:p>
           <a:p>
             <a:endParaRPr lang="zh-CN" altLang="en-US"/>
@@ -13395,20 +13075,14 @@
       </p:sp>
       <p:pic>
         <p:nvPicPr>
-          <p:cNvPr id="6146" name="Picture 2" descr="img">
-            <a:extLst>
-              <a:ext uri="{FF2B5EF4-FFF2-40B4-BE49-F238E27FC236}">
-                <a16:creationId xmlns:a16="http://schemas.microsoft.com/office/drawing/2014/main" id="{D94B49FA-9215-459B-B522-DD70AF197154}"/>
-              </a:ext>
-            </a:extLst>
-          </p:cNvPr>
+          <p:cNvPr id="6146" name="Picture 2" descr="img"/>
           <p:cNvPicPr>
             <a:picLocks noChangeAspect="1" noChangeArrowheads="1"/>
           </p:cNvPicPr>
           <p:nvPr/>
         </p:nvPicPr>
         <p:blipFill>
-          <a:blip r:embed="rId2">
+          <a:blip r:embed="rId1">
             <a:extLst>
               <a:ext uri="{28A0092B-C50C-407E-A947-70E740481C1C}">
                 <a14:useLocalDpi xmlns:a14="http://schemas.microsoft.com/office/drawing/2010/main" val="0"/>
@@ -13442,20 +13116,14 @@
       </p:pic>
       <p:pic>
         <p:nvPicPr>
-          <p:cNvPr id="6148" name="Picture 4" descr="img">
-            <a:extLst>
-              <a:ext uri="{FF2B5EF4-FFF2-40B4-BE49-F238E27FC236}">
-                <a16:creationId xmlns:a16="http://schemas.microsoft.com/office/drawing/2014/main" id="{CDFB74D2-608C-4956-8CC4-18E7013801DB}"/>
-              </a:ext>
-            </a:extLst>
-          </p:cNvPr>
+          <p:cNvPr id="6148" name="Picture 4" descr="img"/>
           <p:cNvPicPr>
             <a:picLocks noChangeAspect="1" noChangeArrowheads="1"/>
           </p:cNvPicPr>
           <p:nvPr/>
         </p:nvPicPr>
         <p:blipFill>
-          <a:blip r:embed="rId3">
+          <a:blip r:embed="rId2">
             <a:extLst>
               <a:ext uri="{28A0092B-C50C-407E-A947-70E740481C1C}">
                 <a14:useLocalDpi xmlns:a14="http://schemas.microsoft.com/office/drawing/2010/main" val="0"/>
@@ -13488,22 +13156,17 @@
         </p:spPr>
       </p:pic>
     </p:spTree>
-    <p:extLst>
-      <p:ext uri="{BB962C8B-B14F-4D97-AF65-F5344CB8AC3E}">
-        <p14:creationId xmlns:p14="http://schemas.microsoft.com/office/powerpoint/2010/main" val="3747725831"/>
-      </p:ext>
-    </p:extLst>
   </p:cSld>
   <p:clrMapOvr>
     <a:masterClrMapping/>
   </p:clrMapOvr>
-  <mc:AlternateContent xmlns:mc="http://schemas.openxmlformats.org/markup-compatibility/2006" xmlns:p14="http://schemas.microsoft.com/office/powerpoint/2010/main">
-    <mc:Choice Requires="p14">
+  <mc:AlternateContent xmlns:mc="http://schemas.openxmlformats.org/markup-compatibility/2006">
+    <mc:Choice xmlns:p14="http://schemas.microsoft.com/office/powerpoint/2010/main" Requires="p14">
       <p:transition spd="med" p14:dur="700">
         <p:fade/>
       </p:transition>
     </mc:Choice>
-    <mc:Fallback xmlns="">
+    <mc:Fallback>
       <p:transition spd="med">
         <p:fade/>
       </p:transition>
@@ -13832,13 +13495,7 @@
       </p:grpSpPr>
       <p:sp>
         <p:nvSpPr>
-          <p:cNvPr id="2" name="标题 1">
-            <a:extLst>
-              <a:ext uri="{FF2B5EF4-FFF2-40B4-BE49-F238E27FC236}">
-                <a16:creationId xmlns:a16="http://schemas.microsoft.com/office/drawing/2014/main" id="{4B2287AE-5FBB-4A7A-BFB2-263D0268952E}"/>
-              </a:ext>
-            </a:extLst>
-          </p:cNvPr>
+          <p:cNvPr id="2" name="标题 1"/>
           <p:cNvSpPr>
             <a:spLocks noGrp="1"/>
           </p:cNvSpPr>
@@ -13865,13 +13522,7 @@
       </p:sp>
       <p:sp>
         <p:nvSpPr>
-          <p:cNvPr id="3" name="内容占位符 2">
-            <a:extLst>
-              <a:ext uri="{FF2B5EF4-FFF2-40B4-BE49-F238E27FC236}">
-                <a16:creationId xmlns:a16="http://schemas.microsoft.com/office/drawing/2014/main" id="{34AA76FD-8AF3-4D08-8F5C-599D6DB31B94}"/>
-              </a:ext>
-            </a:extLst>
-          </p:cNvPr>
+          <p:cNvPr id="3" name="内容占位符 2"/>
           <p:cNvSpPr>
             <a:spLocks noGrp="1"/>
           </p:cNvSpPr>
@@ -13922,6 +13573,7 @@
               <a:rPr lang="en-US" altLang="zh-CN"/>
               <a:t>?</a:t>
             </a:r>
+            <a:endParaRPr lang="en-US" altLang="zh-CN"/>
           </a:p>
           <a:p>
             <a:pPr lvl="1"/>
@@ -13953,6 +13605,7 @@
               <a:rPr lang="en-US" altLang="zh-CN"/>
               <a:t>.</a:t>
             </a:r>
+            <a:endParaRPr lang="en-US" altLang="zh-CN"/>
           </a:p>
           <a:p>
             <a:pPr lvl="1"/>
@@ -13972,6 +13625,7 @@
               <a:rPr lang="en-US" altLang="zh-CN"/>
               <a:t>.</a:t>
             </a:r>
+            <a:endParaRPr lang="en-US" altLang="zh-CN"/>
           </a:p>
           <a:p>
             <a:pPr lvl="1"/>
@@ -14035,6 +13689,7 @@
               <a:rPr lang="zh-CN" altLang="en-US"/>
               <a:t>等</a:t>
             </a:r>
+            <a:endParaRPr lang="zh-CN" altLang="en-US"/>
           </a:p>
           <a:p>
             <a:endParaRPr lang="en-US" altLang="zh-CN"/>
@@ -14048,6 +13703,7 @@
               <a:rPr lang="en-US" altLang="zh-CN"/>
               <a:t>? </a:t>
             </a:r>
+            <a:endParaRPr lang="en-US" altLang="zh-CN"/>
           </a:p>
           <a:p>
             <a:pPr lvl="1"/>
@@ -14055,25 +13711,20 @@
               <a:rPr lang="zh-CN" altLang="en-US"/>
               <a:t>我们来看左边的代码</a:t>
             </a:r>
+            <a:endParaRPr lang="zh-CN" altLang="en-US"/>
           </a:p>
         </p:txBody>
       </p:sp>
       <p:pic>
         <p:nvPicPr>
-          <p:cNvPr id="4" name="图片 3">
-            <a:extLst>
-              <a:ext uri="{FF2B5EF4-FFF2-40B4-BE49-F238E27FC236}">
-                <a16:creationId xmlns:a16="http://schemas.microsoft.com/office/drawing/2014/main" id="{57E20D69-2909-4A3E-964E-062821C72E74}"/>
-              </a:ext>
-            </a:extLst>
-          </p:cNvPr>
+          <p:cNvPr id="4" name="图片 3"/>
           <p:cNvPicPr>
             <a:picLocks noChangeAspect="1"/>
           </p:cNvPicPr>
           <p:nvPr/>
         </p:nvPicPr>
         <p:blipFill>
-          <a:blip r:embed="rId2"/>
+          <a:blip r:embed="rId1"/>
           <a:stretch>
             <a:fillRect/>
           </a:stretch>
@@ -14089,22 +13740,17 @@
         </p:spPr>
       </p:pic>
     </p:spTree>
-    <p:extLst>
-      <p:ext uri="{BB962C8B-B14F-4D97-AF65-F5344CB8AC3E}">
-        <p14:creationId xmlns:p14="http://schemas.microsoft.com/office/powerpoint/2010/main" val="2436147857"/>
-      </p:ext>
-    </p:extLst>
   </p:cSld>
   <p:clrMapOvr>
     <a:masterClrMapping/>
   </p:clrMapOvr>
-  <mc:AlternateContent xmlns:mc="http://schemas.openxmlformats.org/markup-compatibility/2006" xmlns:p14="http://schemas.microsoft.com/office/powerpoint/2010/main">
-    <mc:Choice Requires="p14">
+  <mc:AlternateContent xmlns:mc="http://schemas.openxmlformats.org/markup-compatibility/2006">
+    <mc:Choice xmlns:p14="http://schemas.microsoft.com/office/powerpoint/2010/main" Requires="p14">
       <p:transition spd="med" p14:dur="700">
         <p:fade/>
       </p:transition>
     </mc:Choice>
-    <mc:Fallback xmlns="">
+    <mc:Fallback>
       <p:transition spd="med">
         <p:fade/>
       </p:transition>
@@ -14509,13 +14155,7 @@
       </p:grpSpPr>
       <p:sp>
         <p:nvSpPr>
-          <p:cNvPr id="2" name="标题 1">
-            <a:extLst>
-              <a:ext uri="{FF2B5EF4-FFF2-40B4-BE49-F238E27FC236}">
-                <a16:creationId xmlns:a16="http://schemas.microsoft.com/office/drawing/2014/main" id="{FDA97914-9B7F-4F7D-8430-D7B3C16C27E9}"/>
-              </a:ext>
-            </a:extLst>
-          </p:cNvPr>
+          <p:cNvPr id="2" name="标题 1"/>
           <p:cNvSpPr>
             <a:spLocks noGrp="1"/>
           </p:cNvSpPr>
@@ -14536,18 +14176,13 @@
               <a:rPr lang="zh-CN" altLang="en-US"/>
               <a:t>局部状态</a:t>
             </a:r>
+            <a:endParaRPr lang="zh-CN" altLang="en-US"/>
           </a:p>
         </p:txBody>
       </p:sp>
       <p:sp>
         <p:nvSpPr>
-          <p:cNvPr id="3" name="内容占位符 2">
-            <a:extLst>
-              <a:ext uri="{FF2B5EF4-FFF2-40B4-BE49-F238E27FC236}">
-                <a16:creationId xmlns:a16="http://schemas.microsoft.com/office/drawing/2014/main" id="{B4B18ECF-F110-4ACE-A23A-B640B052F29F}"/>
-              </a:ext>
-            </a:extLst>
-          </p:cNvPr>
+          <p:cNvPr id="3" name="内容占位符 2"/>
           <p:cNvSpPr>
             <a:spLocks noGrp="1"/>
           </p:cNvSpPr>
@@ -14584,6 +14219,7 @@
               <a:rPr lang="en-US" altLang="zh-CN"/>
               <a:t>.</a:t>
             </a:r>
+            <a:endParaRPr lang="en-US" altLang="zh-CN"/>
           </a:p>
           <a:p>
             <a:pPr lvl="1"/>
@@ -14619,6 +14255,7 @@
               <a:rPr lang="en-US" altLang="zh-CN"/>
               <a:t>getters</a:t>
             </a:r>
+            <a:endParaRPr lang="en-US" altLang="zh-CN"/>
           </a:p>
           <a:p>
             <a:pPr lvl="1"/>
@@ -14638,6 +14275,7 @@
               <a:rPr lang="zh-CN" altLang="en-US"/>
               <a:t>接收的第一个参数是局部状态对象</a:t>
             </a:r>
+            <a:endParaRPr lang="zh-CN" altLang="en-US"/>
           </a:p>
           <a:p>
             <a:endParaRPr lang="zh-CN" altLang="en-US"/>
@@ -14646,20 +14284,14 @@
       </p:sp>
       <p:pic>
         <p:nvPicPr>
-          <p:cNvPr id="4" name="图片 3">
-            <a:extLst>
-              <a:ext uri="{FF2B5EF4-FFF2-40B4-BE49-F238E27FC236}">
-                <a16:creationId xmlns:a16="http://schemas.microsoft.com/office/drawing/2014/main" id="{88136F7A-220E-4FC2-9DAB-BCA1622C7581}"/>
-              </a:ext>
-            </a:extLst>
-          </p:cNvPr>
+          <p:cNvPr id="4" name="图片 3"/>
           <p:cNvPicPr>
             <a:picLocks noChangeAspect="1"/>
           </p:cNvPicPr>
           <p:nvPr/>
         </p:nvPicPr>
         <p:blipFill>
-          <a:blip r:embed="rId2"/>
+          <a:blip r:embed="rId1"/>
           <a:stretch>
             <a:fillRect/>
           </a:stretch>
@@ -14676,20 +14308,14 @@
       </p:pic>
       <p:pic>
         <p:nvPicPr>
-          <p:cNvPr id="5" name="图片 4">
-            <a:extLst>
-              <a:ext uri="{FF2B5EF4-FFF2-40B4-BE49-F238E27FC236}">
-                <a16:creationId xmlns:a16="http://schemas.microsoft.com/office/drawing/2014/main" id="{DE7E6E5D-98B5-473E-9093-7E128697EC14}"/>
-              </a:ext>
-            </a:extLst>
-          </p:cNvPr>
+          <p:cNvPr id="5" name="图片 4"/>
           <p:cNvPicPr>
             <a:picLocks noChangeAspect="1"/>
           </p:cNvPicPr>
           <p:nvPr/>
         </p:nvPicPr>
         <p:blipFill>
-          <a:blip r:embed="rId3"/>
+          <a:blip r:embed="rId2"/>
           <a:stretch>
             <a:fillRect/>
           </a:stretch>
@@ -14706,13 +14332,7 @@
       </p:pic>
       <p:sp>
         <p:nvSpPr>
-          <p:cNvPr id="6" name="文本框 5">
-            <a:extLst>
-              <a:ext uri="{FF2B5EF4-FFF2-40B4-BE49-F238E27FC236}">
-                <a16:creationId xmlns:a16="http://schemas.microsoft.com/office/drawing/2014/main" id="{619D6F65-4425-4DE7-8024-CE4E89C86534}"/>
-              </a:ext>
-            </a:extLst>
-          </p:cNvPr>
+          <p:cNvPr id="6" name="文本框 5"/>
           <p:cNvSpPr txBox="1"/>
           <p:nvPr/>
         </p:nvSpPr>
@@ -14747,6 +14367,7 @@
               <a:rPr lang="en-US" altLang="zh-CN"/>
               <a:t>:</a:t>
             </a:r>
+            <a:endParaRPr lang="en-US" altLang="zh-CN"/>
           </a:p>
           <a:p>
             <a:pPr marL="285750" indent="-285750">
@@ -14788,6 +14409,7 @@
               <a:rPr lang="en-US" altLang="zh-CN"/>
               <a:t>.</a:t>
             </a:r>
+            <a:endParaRPr lang="en-US" altLang="zh-CN"/>
           </a:p>
           <a:p>
             <a:pPr marL="285750" indent="-285750">
@@ -14821,26 +14443,22 @@
               <a:rPr lang="en-US" altLang="zh-CN"/>
               <a:t>.</a:t>
             </a:r>
+            <a:endParaRPr lang="en-US" altLang="zh-CN"/>
           </a:p>
         </p:txBody>
       </p:sp>
     </p:spTree>
-    <p:extLst>
-      <p:ext uri="{BB962C8B-B14F-4D97-AF65-F5344CB8AC3E}">
-        <p14:creationId xmlns:p14="http://schemas.microsoft.com/office/powerpoint/2010/main" val="1455416076"/>
-      </p:ext>
-    </p:extLst>
   </p:cSld>
   <p:clrMapOvr>
     <a:masterClrMapping/>
   </p:clrMapOvr>
-  <mc:AlternateContent xmlns:mc="http://schemas.openxmlformats.org/markup-compatibility/2006" xmlns:p14="http://schemas.microsoft.com/office/powerpoint/2010/main">
-    <mc:Choice Requires="p14">
+  <mc:AlternateContent xmlns:mc="http://schemas.openxmlformats.org/markup-compatibility/2006">
+    <mc:Choice xmlns:p14="http://schemas.microsoft.com/office/powerpoint/2010/main" Requires="p14">
       <p:transition spd="med" p14:dur="700">
         <p:fade/>
       </p:transition>
     </mc:Choice>
-    <mc:Fallback xmlns="">
+    <mc:Fallback>
       <p:transition spd="med">
         <p:fade/>
       </p:transition>
@@ -15280,13 +14898,7 @@
       </p:grpSpPr>
       <p:sp>
         <p:nvSpPr>
-          <p:cNvPr id="2" name="标题 1">
-            <a:extLst>
-              <a:ext uri="{FF2B5EF4-FFF2-40B4-BE49-F238E27FC236}">
-                <a16:creationId xmlns:a16="http://schemas.microsoft.com/office/drawing/2014/main" id="{51396488-F8E3-473C-9935-F7AEE6AD09FE}"/>
-              </a:ext>
-            </a:extLst>
-          </p:cNvPr>
+          <p:cNvPr id="2" name="标题 1"/>
           <p:cNvSpPr>
             <a:spLocks noGrp="1"/>
           </p:cNvSpPr>
@@ -15307,18 +14919,13 @@
               <a:rPr lang="zh-CN" altLang="en-US"/>
               <a:t>的写法</a:t>
             </a:r>
+            <a:endParaRPr lang="zh-CN" altLang="en-US"/>
           </a:p>
         </p:txBody>
       </p:sp>
       <p:sp>
         <p:nvSpPr>
-          <p:cNvPr id="3" name="内容占位符 2">
-            <a:extLst>
-              <a:ext uri="{FF2B5EF4-FFF2-40B4-BE49-F238E27FC236}">
-                <a16:creationId xmlns:a16="http://schemas.microsoft.com/office/drawing/2014/main" id="{39D56007-F4B9-4BBB-8C43-556ECD6FB768}"/>
-              </a:ext>
-            </a:extLst>
-          </p:cNvPr>
+          <p:cNvPr id="3" name="内容占位符 2"/>
           <p:cNvSpPr>
             <a:spLocks noGrp="1"/>
           </p:cNvSpPr>
@@ -15422,20 +15029,14 @@
       </p:sp>
       <p:pic>
         <p:nvPicPr>
-          <p:cNvPr id="5" name="图片 4">
-            <a:extLst>
-              <a:ext uri="{FF2B5EF4-FFF2-40B4-BE49-F238E27FC236}">
-                <a16:creationId xmlns:a16="http://schemas.microsoft.com/office/drawing/2014/main" id="{AAE706D0-ED9D-4094-BB0D-7E774170ECCC}"/>
-              </a:ext>
-            </a:extLst>
-          </p:cNvPr>
+          <p:cNvPr id="5" name="图片 4"/>
           <p:cNvPicPr>
             <a:picLocks noChangeAspect="1"/>
           </p:cNvPicPr>
           <p:nvPr/>
         </p:nvPicPr>
         <p:blipFill>
-          <a:blip r:embed="rId2"/>
+          <a:blip r:embed="rId1"/>
           <a:stretch>
             <a:fillRect/>
           </a:stretch>
@@ -15452,20 +15053,14 @@
       </p:pic>
       <p:pic>
         <p:nvPicPr>
-          <p:cNvPr id="6" name="图片 5">
-            <a:extLst>
-              <a:ext uri="{FF2B5EF4-FFF2-40B4-BE49-F238E27FC236}">
-                <a16:creationId xmlns:a16="http://schemas.microsoft.com/office/drawing/2014/main" id="{177D466B-836F-44BE-A9B7-2402B126F6B2}"/>
-              </a:ext>
-            </a:extLst>
-          </p:cNvPr>
+          <p:cNvPr id="6" name="图片 5"/>
           <p:cNvPicPr>
             <a:picLocks noChangeAspect="1"/>
           </p:cNvPicPr>
           <p:nvPr/>
         </p:nvPicPr>
         <p:blipFill>
-          <a:blip r:embed="rId3"/>
+          <a:blip r:embed="rId2"/>
           <a:stretch>
             <a:fillRect/>
           </a:stretch>
@@ -15481,22 +15076,17 @@
         </p:spPr>
       </p:pic>
     </p:spTree>
-    <p:extLst>
-      <p:ext uri="{BB962C8B-B14F-4D97-AF65-F5344CB8AC3E}">
-        <p14:creationId xmlns:p14="http://schemas.microsoft.com/office/powerpoint/2010/main" val="3794982455"/>
-      </p:ext>
-    </p:extLst>
   </p:cSld>
   <p:clrMapOvr>
     <a:masterClrMapping/>
   </p:clrMapOvr>
-  <mc:AlternateContent xmlns:mc="http://schemas.openxmlformats.org/markup-compatibility/2006" xmlns:p14="http://schemas.microsoft.com/office/powerpoint/2010/main">
-    <mc:Choice Requires="p14">
+  <mc:AlternateContent xmlns:mc="http://schemas.openxmlformats.org/markup-compatibility/2006">
+    <mc:Choice xmlns:p14="http://schemas.microsoft.com/office/powerpoint/2010/main" Requires="p14">
       <p:transition spd="med" p14:dur="700">
         <p:fade/>
       </p:transition>
     </mc:Choice>
-    <mc:Fallback xmlns="">
+    <mc:Fallback>
       <p:transition spd="med">
         <p:fade/>
       </p:transition>
@@ -15843,13 +15433,7 @@
       </p:grpSpPr>
       <p:sp>
         <p:nvSpPr>
-          <p:cNvPr id="2" name="标题 1">
-            <a:extLst>
-              <a:ext uri="{FF2B5EF4-FFF2-40B4-BE49-F238E27FC236}">
-                <a16:creationId xmlns:a16="http://schemas.microsoft.com/office/drawing/2014/main" id="{A16F668A-3131-4A23-AA07-A9A49ED49591}"/>
-              </a:ext>
-            </a:extLst>
-          </p:cNvPr>
+          <p:cNvPr id="2" name="标题 1"/>
           <p:cNvSpPr>
             <a:spLocks noGrp="1"/>
           </p:cNvSpPr>
@@ -15866,18 +15450,13 @@
               <a:rPr lang="zh-CN" altLang="en-US"/>
               <a:t>项目结构</a:t>
             </a:r>
+            <a:endParaRPr lang="zh-CN" altLang="en-US"/>
           </a:p>
         </p:txBody>
       </p:sp>
       <p:sp>
         <p:nvSpPr>
-          <p:cNvPr id="3" name="内容占位符 2">
-            <a:extLst>
-              <a:ext uri="{FF2B5EF4-FFF2-40B4-BE49-F238E27FC236}">
-                <a16:creationId xmlns:a16="http://schemas.microsoft.com/office/drawing/2014/main" id="{CF2418D5-0FA8-4048-894B-A27075B99D73}"/>
-              </a:ext>
-            </a:extLst>
-          </p:cNvPr>
+          <p:cNvPr id="3" name="内容占位符 2"/>
           <p:cNvSpPr>
             <a:spLocks noGrp="1"/>
           </p:cNvSpPr>
@@ -15920,20 +15499,14 @@
       </p:sp>
       <p:pic>
         <p:nvPicPr>
-          <p:cNvPr id="4" name="图片 3">
-            <a:extLst>
-              <a:ext uri="{FF2B5EF4-FFF2-40B4-BE49-F238E27FC236}">
-                <a16:creationId xmlns:a16="http://schemas.microsoft.com/office/drawing/2014/main" id="{9CE36D57-6383-4B9A-8D96-CF11C1769D92}"/>
-              </a:ext>
-            </a:extLst>
-          </p:cNvPr>
+          <p:cNvPr id="4" name="图片 3"/>
           <p:cNvPicPr>
             <a:picLocks noChangeAspect="1"/>
           </p:cNvPicPr>
           <p:nvPr/>
         </p:nvPicPr>
         <p:blipFill>
-          <a:blip r:embed="rId2"/>
+          <a:blip r:embed="rId1"/>
           <a:stretch>
             <a:fillRect/>
           </a:stretch>
@@ -15949,22 +15522,17 @@
         </p:spPr>
       </p:pic>
     </p:spTree>
-    <p:extLst>
-      <p:ext uri="{BB962C8B-B14F-4D97-AF65-F5344CB8AC3E}">
-        <p14:creationId xmlns:p14="http://schemas.microsoft.com/office/powerpoint/2010/main" val="1761977597"/>
-      </p:ext>
-    </p:extLst>
   </p:cSld>
   <p:clrMapOvr>
     <a:masterClrMapping/>
   </p:clrMapOvr>
-  <mc:AlternateContent xmlns:mc="http://schemas.openxmlformats.org/markup-compatibility/2006" xmlns:p14="http://schemas.microsoft.com/office/powerpoint/2010/main">
-    <mc:Choice Requires="p14">
+  <mc:AlternateContent xmlns:mc="http://schemas.openxmlformats.org/markup-compatibility/2006">
+    <mc:Choice xmlns:p14="http://schemas.microsoft.com/office/powerpoint/2010/main" Requires="p14">
       <p:transition spd="med" p14:dur="700">
         <p:fade/>
       </p:transition>
     </mc:Choice>
-    <mc:Fallback xmlns="">
+    <mc:Fallback>
       <p:transition spd="med">
         <p:fade/>
       </p:transition>
@@ -16136,13 +15704,7 @@
       </p:grpSpPr>
       <p:sp>
         <p:nvSpPr>
-          <p:cNvPr id="2" name="标题 1">
-            <a:extLst>
-              <a:ext uri="{FF2B5EF4-FFF2-40B4-BE49-F238E27FC236}">
-                <a16:creationId xmlns:a16="http://schemas.microsoft.com/office/drawing/2014/main" id="{961F9969-B8C0-4F83-BC8C-B3C0BACF1D25}"/>
-              </a:ext>
-            </a:extLst>
-          </p:cNvPr>
+          <p:cNvPr id="2" name="标题 1"/>
           <p:cNvSpPr>
             <a:spLocks noGrp="1"/>
           </p:cNvSpPr>
@@ -16169,13 +15731,7 @@
       </p:sp>
       <p:sp>
         <p:nvSpPr>
-          <p:cNvPr id="3" name="内容占位符 2">
-            <a:extLst>
-              <a:ext uri="{FF2B5EF4-FFF2-40B4-BE49-F238E27FC236}">
-                <a16:creationId xmlns:a16="http://schemas.microsoft.com/office/drawing/2014/main" id="{5ABC2ABD-AA3D-40B5-B913-334A1E6B3FAB}"/>
-              </a:ext>
-            </a:extLst>
-          </p:cNvPr>
+          <p:cNvPr id="3" name="内容占位符 2"/>
           <p:cNvSpPr>
             <a:spLocks noGrp="1"/>
           </p:cNvSpPr>
@@ -16192,13 +15748,23 @@
               <a:rPr lang="zh-CN" altLang="en-US"/>
               <a:t>但是，有什么状态时需要我们在多个组件间共享的呢？</a:t>
             </a:r>
+            <a:endParaRPr lang="zh-CN" altLang="en-US"/>
           </a:p>
           <a:p>
             <a:pPr lvl="1"/>
             <a:r>
               <a:rPr lang="zh-CN" altLang="en-US"/>
-              <a:t>如果你做过大型开放，你一定遇到过多个状态，在多个界面间的共享问题。</a:t>
-            </a:r>
+              <a:t>如果你做过大型开放，你一定遇到过多个状态，在</a:t>
+            </a:r>
+            <a:r>
+              <a:rPr lang="zh-CN" altLang="en-US" u="sng"/>
+              <a:t>多个界面间的共享问题</a:t>
+            </a:r>
+            <a:r>
+              <a:rPr lang="zh-CN" altLang="en-US"/>
+              <a:t>。</a:t>
+            </a:r>
+            <a:endParaRPr lang="zh-CN" altLang="en-US"/>
           </a:p>
           <a:p>
             <a:pPr lvl="1"/>
@@ -16206,6 +15772,7 @@
               <a:rPr lang="zh-CN" altLang="en-US"/>
               <a:t>比如用户的登录状态、用户名称、头像、地理位置信息等等。</a:t>
             </a:r>
+            <a:endParaRPr lang="zh-CN" altLang="en-US"/>
           </a:p>
           <a:p>
             <a:pPr lvl="1"/>
@@ -16213,13 +15780,23 @@
               <a:rPr lang="zh-CN" altLang="en-US"/>
               <a:t>比如商品的收藏、购物车中的物品等等。</a:t>
             </a:r>
+            <a:endParaRPr lang="zh-CN" altLang="en-US"/>
           </a:p>
           <a:p>
             <a:pPr lvl="1"/>
             <a:r>
               <a:rPr lang="zh-CN" altLang="en-US"/>
-              <a:t>这些状态信息，我们都可以放在统一的地方，对它进行保存和管理，而且它们还是响应式的（待会儿我们就可以看到代码了，莫着急）。</a:t>
-            </a:r>
+              <a:t>这些状态信息，我们都可以放在统一的地方，对它进行保存和管理，</a:t>
+            </a:r>
+            <a:r>
+              <a:rPr lang="zh-CN" altLang="en-US" u="sng"/>
+              <a:t>而且它们还是响应式的</a:t>
+            </a:r>
+            <a:r>
+              <a:rPr lang="zh-CN" altLang="en-US"/>
+              <a:t>（待会儿我们就可以看到代码了，莫着急）。</a:t>
+            </a:r>
+            <a:endParaRPr lang="zh-CN" altLang="en-US"/>
           </a:p>
           <a:p>
             <a:endParaRPr lang="en-US" altLang="zh-CN"/>
@@ -16233,6 +15810,7 @@
               <a:rPr lang="zh-CN" altLang="en-US"/>
               <a:t>，从理论上理解了状态管理之后，让我们从实际的代码再来看看状态管理。</a:t>
             </a:r>
+            <a:endParaRPr lang="zh-CN" altLang="en-US"/>
           </a:p>
           <a:p>
             <a:pPr lvl="1"/>
@@ -16252,6 +15830,7 @@
               <a:rPr lang="en-US" altLang="zh-CN"/>
               <a:t>Linus)</a:t>
             </a:r>
+            <a:endParaRPr lang="en-US" altLang="zh-CN"/>
           </a:p>
           <a:p>
             <a:endParaRPr lang="en-US" altLang="zh-CN"/>
@@ -16271,20 +15850,14 @@
       </p:sp>
       <p:pic>
         <p:nvPicPr>
-          <p:cNvPr id="2050" name="Picture 2" descr="img">
-            <a:extLst>
-              <a:ext uri="{FF2B5EF4-FFF2-40B4-BE49-F238E27FC236}">
-                <a16:creationId xmlns:a16="http://schemas.microsoft.com/office/drawing/2014/main" id="{6B660A69-7D0B-4122-A80F-3A4797FAAB39}"/>
-              </a:ext>
-            </a:extLst>
-          </p:cNvPr>
+          <p:cNvPr id="2050" name="Picture 2" descr="img"/>
           <p:cNvPicPr>
             <a:picLocks noChangeAspect="1" noChangeArrowheads="1"/>
           </p:cNvPicPr>
           <p:nvPr/>
         </p:nvPicPr>
         <p:blipFill>
-          <a:blip r:embed="rId2">
+          <a:blip r:embed="rId1">
             <a:extLst>
               <a:ext uri="{28A0092B-C50C-407E-A947-70E740481C1C}">
                 <a14:useLocalDpi xmlns:a14="http://schemas.microsoft.com/office/drawing/2010/main" val="0"/>
@@ -16317,22 +15890,17 @@
         </p:spPr>
       </p:pic>
     </p:spTree>
-    <p:extLst>
-      <p:ext uri="{BB962C8B-B14F-4D97-AF65-F5344CB8AC3E}">
-        <p14:creationId xmlns:p14="http://schemas.microsoft.com/office/powerpoint/2010/main" val="281735745"/>
-      </p:ext>
-    </p:extLst>
   </p:cSld>
   <p:clrMapOvr>
     <a:masterClrMapping/>
   </p:clrMapOvr>
-  <mc:AlternateContent xmlns:mc="http://schemas.openxmlformats.org/markup-compatibility/2006" xmlns:p14="http://schemas.microsoft.com/office/powerpoint/2010/main">
-    <mc:Choice Requires="p14">
+  <mc:AlternateContent xmlns:mc="http://schemas.openxmlformats.org/markup-compatibility/2006">
+    <mc:Choice xmlns:p14="http://schemas.microsoft.com/office/powerpoint/2010/main" Requires="p14">
       <p:transition spd="med" p14:dur="700">
         <p:fade/>
       </p:transition>
     </mc:Choice>
-    <mc:Fallback xmlns="">
+    <mc:Fallback>
       <p:transition spd="med">
         <p:fade/>
       </p:transition>
@@ -16841,13 +16409,7 @@
       </p:grpSpPr>
       <p:sp>
         <p:nvSpPr>
-          <p:cNvPr id="2" name="标题 1">
-            <a:extLst>
-              <a:ext uri="{FF2B5EF4-FFF2-40B4-BE49-F238E27FC236}">
-                <a16:creationId xmlns:a16="http://schemas.microsoft.com/office/drawing/2014/main" id="{9AFEF176-E3AD-4A46-B8DA-5E32E7F63A42}"/>
-              </a:ext>
-            </a:extLst>
-          </p:cNvPr>
+          <p:cNvPr id="2" name="标题 1"/>
           <p:cNvSpPr>
             <a:spLocks noGrp="1"/>
           </p:cNvSpPr>
@@ -16864,18 +16426,13 @@
               <a:rPr lang="zh-CN" altLang="en-US"/>
               <a:t>单界面的状态管理</a:t>
             </a:r>
+            <a:endParaRPr lang="zh-CN" altLang="en-US"/>
           </a:p>
         </p:txBody>
       </p:sp>
       <p:sp>
         <p:nvSpPr>
-          <p:cNvPr id="3" name="内容占位符 2">
-            <a:extLst>
-              <a:ext uri="{FF2B5EF4-FFF2-40B4-BE49-F238E27FC236}">
-                <a16:creationId xmlns:a16="http://schemas.microsoft.com/office/drawing/2014/main" id="{E1FA3FA8-DA9E-4707-9211-F910A99451D2}"/>
-              </a:ext>
-            </a:extLst>
-          </p:cNvPr>
+          <p:cNvPr id="3" name="内容占位符 2"/>
           <p:cNvSpPr>
             <a:spLocks noGrp="1"/>
           </p:cNvSpPr>
@@ -16899,6 +16456,7 @@
               <a:rPr lang="zh-CN" altLang="en-US"/>
               <a:t>我们知道，要在单个组件中进行状态管理是一件非常简单的事情</a:t>
             </a:r>
+            <a:endParaRPr lang="zh-CN" altLang="en-US"/>
           </a:p>
           <a:p>
             <a:pPr lvl="1"/>
@@ -16906,12 +16464,14 @@
               <a:rPr lang="zh-CN" altLang="en-US"/>
               <a:t>什么意思呢？我们来看下面的图片。</a:t>
             </a:r>
+            <a:endParaRPr lang="zh-CN" altLang="en-US"/>
           </a:p>
           <a:p>
             <a:r>
               <a:rPr lang="zh-CN" altLang="en-US"/>
               <a:t>这图片中的三种东西，怎么理解呢？</a:t>
             </a:r>
+            <a:endParaRPr lang="zh-CN" altLang="en-US"/>
           </a:p>
           <a:p>
             <a:pPr lvl="1"/>
@@ -16931,6 +16491,7 @@
               <a:rPr lang="zh-CN" altLang="en-US"/>
               <a:t>中的属性）</a:t>
             </a:r>
+            <a:endParaRPr lang="zh-CN" altLang="en-US"/>
           </a:p>
           <a:p>
             <a:pPr lvl="1"/>
@@ -16950,6 +16511,7 @@
               <a:rPr lang="zh-CN" altLang="en-US"/>
               <a:t>的变化，显示不同的信息。（这个好理解吧？）</a:t>
             </a:r>
+            <a:endParaRPr lang="zh-CN" altLang="en-US"/>
           </a:p>
           <a:p>
             <a:pPr lvl="1"/>
@@ -16969,6 +16531,7 @@
               <a:rPr lang="zh-CN" altLang="en-US"/>
               <a:t>主要是用户的各种操作：点击、输入等等，会导致状态的改变。</a:t>
             </a:r>
+            <a:endParaRPr lang="zh-CN" altLang="en-US"/>
           </a:p>
           <a:p>
             <a:endParaRPr lang="en-US" altLang="zh-CN"/>
@@ -17004,20 +16567,14 @@
       </p:sp>
       <p:pic>
         <p:nvPicPr>
-          <p:cNvPr id="3074" name="Picture 2" descr="img">
-            <a:extLst>
-              <a:ext uri="{FF2B5EF4-FFF2-40B4-BE49-F238E27FC236}">
-                <a16:creationId xmlns:a16="http://schemas.microsoft.com/office/drawing/2014/main" id="{360CB826-69D0-4170-AB8A-F5A27C7346CE}"/>
-              </a:ext>
-            </a:extLst>
-          </p:cNvPr>
+          <p:cNvPr id="3074" name="Picture 2" descr="img"/>
           <p:cNvPicPr>
             <a:picLocks noChangeAspect="1" noChangeArrowheads="1"/>
           </p:cNvPicPr>
           <p:nvPr/>
         </p:nvPicPr>
         <p:blipFill>
-          <a:blip r:embed="rId2">
+          <a:blip r:embed="rId1">
             <a:extLst>
               <a:ext uri="{28A0092B-C50C-407E-A947-70E740481C1C}">
                 <a14:useLocalDpi xmlns:a14="http://schemas.microsoft.com/office/drawing/2010/main" val="0"/>
@@ -17051,20 +16608,14 @@
       </p:pic>
       <p:pic>
         <p:nvPicPr>
-          <p:cNvPr id="3076" name="Picture 4" descr="img">
-            <a:extLst>
-              <a:ext uri="{FF2B5EF4-FFF2-40B4-BE49-F238E27FC236}">
-                <a16:creationId xmlns:a16="http://schemas.microsoft.com/office/drawing/2014/main" id="{EE3FDD07-84C0-496F-BFC7-F0B3F3F4E44A}"/>
-              </a:ext>
-            </a:extLst>
-          </p:cNvPr>
+          <p:cNvPr id="3076" name="Picture 4" descr="img"/>
           <p:cNvPicPr>
             <a:picLocks noChangeAspect="1" noChangeArrowheads="1"/>
           </p:cNvPicPr>
           <p:nvPr/>
         </p:nvPicPr>
         <p:blipFill>
-          <a:blip r:embed="rId3">
+          <a:blip r:embed="rId2">
             <a:extLst>
               <a:ext uri="{28A0092B-C50C-407E-A947-70E740481C1C}">
                 <a14:useLocalDpi xmlns:a14="http://schemas.microsoft.com/office/drawing/2010/main" val="0"/>
@@ -17097,22 +16648,17 @@
         </p:spPr>
       </p:pic>
     </p:spTree>
-    <p:extLst>
-      <p:ext uri="{BB962C8B-B14F-4D97-AF65-F5344CB8AC3E}">
-        <p14:creationId xmlns:p14="http://schemas.microsoft.com/office/powerpoint/2010/main" val="1737787104"/>
-      </p:ext>
-    </p:extLst>
   </p:cSld>
   <p:clrMapOvr>
     <a:masterClrMapping/>
   </p:clrMapOvr>
-  <mc:AlternateContent xmlns:mc="http://schemas.openxmlformats.org/markup-compatibility/2006" xmlns:p14="http://schemas.microsoft.com/office/powerpoint/2010/main">
-    <mc:Choice Requires="p14">
+  <mc:AlternateContent xmlns:mc="http://schemas.openxmlformats.org/markup-compatibility/2006">
+    <mc:Choice xmlns:p14="http://schemas.microsoft.com/office/powerpoint/2010/main" Requires="p14">
       <p:transition spd="med" p14:dur="700">
         <p:fade/>
       </p:transition>
     </mc:Choice>
-    <mc:Fallback xmlns="">
+    <mc:Fallback>
       <p:transition spd="med">
         <p:fade/>
       </p:transition>
@@ -17674,13 +17220,7 @@
       </p:grpSpPr>
       <p:sp>
         <p:nvSpPr>
-          <p:cNvPr id="2" name="标题 1">
-            <a:extLst>
-              <a:ext uri="{FF2B5EF4-FFF2-40B4-BE49-F238E27FC236}">
-                <a16:creationId xmlns:a16="http://schemas.microsoft.com/office/drawing/2014/main" id="{A04008EB-BB8F-46FE-9023-9EA685FDAA9C}"/>
-              </a:ext>
-            </a:extLst>
-          </p:cNvPr>
+          <p:cNvPr id="2" name="标题 1"/>
           <p:cNvSpPr>
             <a:spLocks noGrp="1"/>
           </p:cNvSpPr>
@@ -17697,18 +17237,13 @@
               <a:rPr lang="zh-CN" altLang="en-US"/>
               <a:t>单界面状态管理的实现</a:t>
             </a:r>
+            <a:endParaRPr lang="zh-CN" altLang="en-US"/>
           </a:p>
         </p:txBody>
       </p:sp>
       <p:sp>
         <p:nvSpPr>
-          <p:cNvPr id="3" name="内容占位符 2">
-            <a:extLst>
-              <a:ext uri="{FF2B5EF4-FFF2-40B4-BE49-F238E27FC236}">
-                <a16:creationId xmlns:a16="http://schemas.microsoft.com/office/drawing/2014/main" id="{DE81ACD1-ADA8-4D19-850D-8BCBF8B77E94}"/>
-              </a:ext>
-            </a:extLst>
-          </p:cNvPr>
+          <p:cNvPr id="3" name="内容占位符 2"/>
           <p:cNvSpPr>
             <a:spLocks noGrp="1"/>
           </p:cNvSpPr>
@@ -17738,6 +17273,7 @@
               <a:rPr lang="zh-CN" altLang="en-US"/>
               <a:t>。</a:t>
             </a:r>
+            <a:endParaRPr lang="zh-CN" altLang="en-US"/>
           </a:p>
           <a:p>
             <a:r>
@@ -17756,6 +17292,7 @@
               <a:rPr lang="zh-CN" altLang="en-US"/>
               <a:t>。</a:t>
             </a:r>
+            <a:endParaRPr lang="zh-CN" altLang="en-US"/>
           </a:p>
           <a:p>
             <a:r>
@@ -17774,6 +17311,7 @@
               <a:rPr lang="zh-CN" altLang="en-US"/>
               <a:t>部分。</a:t>
             </a:r>
+            <a:endParaRPr lang="zh-CN" altLang="en-US"/>
           </a:p>
           <a:p>
             <a:r>
@@ -17792,12 +17330,14 @@
               <a:rPr lang="en-US" altLang="zh-CN"/>
               <a:t>Actions</a:t>
             </a:r>
+            <a:endParaRPr lang="en-US" altLang="zh-CN"/>
           </a:p>
           <a:p>
             <a:r>
               <a:rPr lang="zh-CN" altLang="en-US"/>
               <a:t>这不就是上面的流程图了吗？</a:t>
             </a:r>
+            <a:endParaRPr lang="zh-CN" altLang="en-US"/>
           </a:p>
           <a:p>
             <a:endParaRPr lang="zh-CN" altLang="en-US"/>
@@ -17806,20 +17346,14 @@
       </p:sp>
       <p:pic>
         <p:nvPicPr>
-          <p:cNvPr id="6" name="图片 5">
-            <a:extLst>
-              <a:ext uri="{FF2B5EF4-FFF2-40B4-BE49-F238E27FC236}">
-                <a16:creationId xmlns:a16="http://schemas.microsoft.com/office/drawing/2014/main" id="{D4D7F215-0E8D-4355-889E-937AB51324EE}"/>
-              </a:ext>
-            </a:extLst>
-          </p:cNvPr>
+          <p:cNvPr id="6" name="图片 5"/>
           <p:cNvPicPr>
             <a:picLocks noChangeAspect="1"/>
           </p:cNvPicPr>
           <p:nvPr/>
         </p:nvPicPr>
         <p:blipFill>
-          <a:blip r:embed="rId2"/>
+          <a:blip r:embed="rId1"/>
           <a:stretch>
             <a:fillRect/>
           </a:stretch>
@@ -17835,22 +17369,17 @@
         </p:spPr>
       </p:pic>
     </p:spTree>
-    <p:extLst>
-      <p:ext uri="{BB962C8B-B14F-4D97-AF65-F5344CB8AC3E}">
-        <p14:creationId xmlns:p14="http://schemas.microsoft.com/office/powerpoint/2010/main" val="756523539"/>
-      </p:ext>
-    </p:extLst>
   </p:cSld>
   <p:clrMapOvr>
     <a:masterClrMapping/>
   </p:clrMapOvr>
-  <mc:AlternateContent xmlns:mc="http://schemas.openxmlformats.org/markup-compatibility/2006" xmlns:p14="http://schemas.microsoft.com/office/powerpoint/2010/main">
-    <mc:Choice Requires="p14">
+  <mc:AlternateContent xmlns:mc="http://schemas.openxmlformats.org/markup-compatibility/2006">
+    <mc:Choice xmlns:p14="http://schemas.microsoft.com/office/powerpoint/2010/main" Requires="p14">
       <p:transition spd="med" p14:dur="700">
         <p:fade/>
       </p:transition>
     </mc:Choice>
-    <mc:Fallback xmlns="">
+    <mc:Fallback>
       <p:transition spd="med">
         <p:fade/>
       </p:transition>
@@ -18141,13 +17670,7 @@
       </p:grpSpPr>
       <p:sp>
         <p:nvSpPr>
-          <p:cNvPr id="2" name="标题 1">
-            <a:extLst>
-              <a:ext uri="{FF2B5EF4-FFF2-40B4-BE49-F238E27FC236}">
-                <a16:creationId xmlns:a16="http://schemas.microsoft.com/office/drawing/2014/main" id="{FB51F664-5623-4949-8F1D-0EDDC79F5F8C}"/>
-              </a:ext>
-            </a:extLst>
-          </p:cNvPr>
+          <p:cNvPr id="2" name="标题 1"/>
           <p:cNvSpPr>
             <a:spLocks noGrp="1"/>
           </p:cNvSpPr>
@@ -18164,18 +17687,13 @@
               <a:rPr lang="zh-CN" altLang="en-US"/>
               <a:t>多界面状态管理</a:t>
             </a:r>
+            <a:endParaRPr lang="zh-CN" altLang="en-US"/>
           </a:p>
         </p:txBody>
       </p:sp>
       <p:sp>
         <p:nvSpPr>
-          <p:cNvPr id="3" name="内容占位符 2">
-            <a:extLst>
-              <a:ext uri="{FF2B5EF4-FFF2-40B4-BE49-F238E27FC236}">
-                <a16:creationId xmlns:a16="http://schemas.microsoft.com/office/drawing/2014/main" id="{C66D26C7-F4A5-44BF-BD67-5E8911A1FD0B}"/>
-              </a:ext>
-            </a:extLst>
-          </p:cNvPr>
+          <p:cNvPr id="3" name="内容占位符 2"/>
           <p:cNvSpPr>
             <a:spLocks noGrp="1"/>
           </p:cNvSpPr>
@@ -18198,6 +17716,7 @@
               <a:rPr lang="zh-CN" altLang="en-US"/>
               <a:t>已经帮我们做好了单个界面的状态管理，但是如果是多个界面呢？</a:t>
             </a:r>
+            <a:endParaRPr lang="zh-CN" altLang="en-US"/>
           </a:p>
           <a:p>
             <a:pPr lvl="1"/>
@@ -18205,6 +17724,7 @@
               <a:rPr lang="zh-CN" altLang="en-US"/>
               <a:t>多个试图都依赖同一个状态（一个状态改了，多个界面需要进行更新）</a:t>
             </a:r>
+            <a:endParaRPr lang="zh-CN" altLang="en-US"/>
           </a:p>
           <a:p>
             <a:pPr lvl="1"/>
@@ -18236,6 +17756,7 @@
               <a:rPr lang="zh-CN" altLang="en-US"/>
               <a:t>也需要修改这个状态）</a:t>
             </a:r>
+            <a:endParaRPr lang="zh-CN" altLang="en-US"/>
           </a:p>
           <a:p>
             <a:r>
@@ -18306,6 +17827,7 @@
               <a:rPr lang="zh-CN" altLang="en-US"/>
               <a:t>属于多个试图共同想要维护的</a:t>
             </a:r>
+            <a:endParaRPr lang="zh-CN" altLang="en-US"/>
           </a:p>
           <a:p>
             <a:pPr lvl="1"/>
@@ -18337,6 +17859,7 @@
               <a:rPr lang="zh-CN" altLang="en-US"/>
               <a:t>你放在自己的房间中，你自己管理自己用，没问题。</a:t>
             </a:r>
+            <a:endParaRPr lang="zh-CN" altLang="en-US"/>
           </a:p>
           <a:p>
             <a:pPr lvl="1"/>
@@ -18368,6 +17891,7 @@
               <a:rPr lang="zh-CN" altLang="en-US"/>
               <a:t>我们希望交给一个大管家来统一帮助我们管理！！！</a:t>
             </a:r>
+            <a:endParaRPr lang="zh-CN" altLang="en-US"/>
           </a:p>
           <a:p>
             <a:pPr lvl="1"/>
@@ -18383,12 +17907,14 @@
               <a:rPr lang="zh-CN" altLang="en-US"/>
               <a:t>就是为我们提供这个大管家的工具。</a:t>
             </a:r>
-          </a:p>
-          <a:p>
-            <a:r>
-              <a:rPr lang="zh-CN" altLang="en-US"/>
+            <a:endParaRPr lang="zh-CN" altLang="en-US"/>
+          </a:p>
+          <a:p>
+            <a:r>
+              <a:rPr lang="zh-CN" altLang="en-US" u="sng"/>
               <a:t>全局单例模式（大管家）</a:t>
             </a:r>
+            <a:endParaRPr lang="zh-CN" altLang="en-US"/>
           </a:p>
           <a:p>
             <a:pPr lvl="1"/>
@@ -18396,21 +17922,43 @@
               <a:rPr lang="zh-CN" altLang="en-US"/>
               <a:t>我们现在要做的就是将共享的状态抽取出来，交给我们的大管家，统一进行管理。</a:t>
             </a:r>
+            <a:endParaRPr lang="zh-CN" altLang="en-US"/>
           </a:p>
           <a:p>
             <a:pPr lvl="1"/>
             <a:r>
               <a:rPr lang="zh-CN" altLang="en-US"/>
-              <a:t>之后，你们每个试图，按照我</a:t>
-            </a:r>
-            <a:r>
-              <a:rPr lang="zh-CN" altLang="en-US" b="1"/>
+              <a:t>之后，</a:t>
+            </a:r>
+            <a:r>
+              <a:rPr lang="zh-CN" altLang="en-US" u="sng">
+                <a:solidFill>
+                  <a:srgbClr val="FF0000"/>
+                </a:solidFill>
+              </a:rPr>
+              <a:t>你们每个试图，按照我</a:t>
+            </a:r>
+            <a:r>
+              <a:rPr lang="zh-CN" altLang="en-US" b="1" u="sng">
+                <a:solidFill>
+                  <a:srgbClr val="FF0000"/>
+                </a:solidFill>
+              </a:rPr>
               <a:t>规定好的</a:t>
             </a:r>
             <a:r>
-              <a:rPr lang="zh-CN" altLang="en-US"/>
-              <a:t>规定，进行访问和修改等操作。</a:t>
-            </a:r>
+              <a:rPr lang="zh-CN" altLang="en-US" u="sng">
+                <a:solidFill>
+                  <a:srgbClr val="FF0000"/>
+                </a:solidFill>
+              </a:rPr>
+              <a:t>规定，进行访问和修改等操作</a:t>
+            </a:r>
+            <a:r>
+              <a:rPr lang="zh-CN" altLang="en-US"/>
+              <a:t>。</a:t>
+            </a:r>
+            <a:endParaRPr lang="zh-CN" altLang="en-US"/>
           </a:p>
           <a:p>
             <a:pPr lvl="1"/>
@@ -18426,6 +17974,7 @@
               <a:rPr lang="zh-CN" altLang="en-US"/>
               <a:t>背后的基本思想。</a:t>
             </a:r>
+            <a:endParaRPr lang="zh-CN" altLang="en-US"/>
           </a:p>
           <a:p>
             <a:endParaRPr lang="zh-CN" altLang="en-US"/>
@@ -18433,22 +17982,17 @@
         </p:txBody>
       </p:sp>
     </p:spTree>
-    <p:extLst>
-      <p:ext uri="{BB962C8B-B14F-4D97-AF65-F5344CB8AC3E}">
-        <p14:creationId xmlns:p14="http://schemas.microsoft.com/office/powerpoint/2010/main" val="112482118"/>
-      </p:ext>
-    </p:extLst>
   </p:cSld>
   <p:clrMapOvr>
     <a:masterClrMapping/>
   </p:clrMapOvr>
-  <mc:AlternateContent xmlns:mc="http://schemas.openxmlformats.org/markup-compatibility/2006" xmlns:p14="http://schemas.microsoft.com/office/powerpoint/2010/main">
-    <mc:Choice Requires="p14">
+  <mc:AlternateContent xmlns:mc="http://schemas.openxmlformats.org/markup-compatibility/2006">
+    <mc:Choice xmlns:p14="http://schemas.microsoft.com/office/powerpoint/2010/main" Requires="p14">
       <p:transition spd="med" p14:dur="700">
         <p:fade/>
       </p:transition>
     </mc:Choice>
-    <mc:Fallback xmlns="">
+    <mc:Fallback>
       <p:transition spd="med">
         <p:fade/>
       </p:transition>
@@ -19033,13 +18577,7 @@
       </p:grpSpPr>
       <p:sp>
         <p:nvSpPr>
-          <p:cNvPr id="2" name="标题 1">
-            <a:extLst>
-              <a:ext uri="{FF2B5EF4-FFF2-40B4-BE49-F238E27FC236}">
-                <a16:creationId xmlns:a16="http://schemas.microsoft.com/office/drawing/2014/main" id="{000B47E2-F1AC-446C-B911-52701349D949}"/>
-              </a:ext>
-            </a:extLst>
-          </p:cNvPr>
+          <p:cNvPr id="2" name="标题 1"/>
           <p:cNvSpPr>
             <a:spLocks noGrp="1"/>
           </p:cNvSpPr>
@@ -19060,18 +18598,13 @@
               <a:rPr lang="zh-CN" altLang="en-US"/>
               <a:t>状态管理图例</a:t>
             </a:r>
+            <a:endParaRPr lang="zh-CN" altLang="en-US"/>
           </a:p>
         </p:txBody>
       </p:sp>
       <p:sp>
         <p:nvSpPr>
-          <p:cNvPr id="3" name="内容占位符 2">
-            <a:extLst>
-              <a:ext uri="{FF2B5EF4-FFF2-40B4-BE49-F238E27FC236}">
-                <a16:creationId xmlns:a16="http://schemas.microsoft.com/office/drawing/2014/main" id="{5FE7280E-C680-4225-A46F-8DD9BEB7D6C3}"/>
-              </a:ext>
-            </a:extLst>
-          </p:cNvPr>
+          <p:cNvPr id="3" name="内容占位符 2"/>
           <p:cNvSpPr>
             <a:spLocks noGrp="1"/>
           </p:cNvSpPr>
@@ -19088,25 +18621,20 @@
               <a:rPr lang="zh-CN" altLang="en-US"/>
               <a:t>一起在来看一副官方给出的图片</a:t>
             </a:r>
+            <a:endParaRPr lang="zh-CN" altLang="en-US"/>
           </a:p>
         </p:txBody>
       </p:sp>
       <p:pic>
         <p:nvPicPr>
-          <p:cNvPr id="5122" name="Picture 2" descr="vuex">
-            <a:extLst>
-              <a:ext uri="{FF2B5EF4-FFF2-40B4-BE49-F238E27FC236}">
-                <a16:creationId xmlns:a16="http://schemas.microsoft.com/office/drawing/2014/main" id="{2F34061A-8546-4F0D-8A9A-80DFB7979B7D}"/>
-              </a:ext>
-            </a:extLst>
-          </p:cNvPr>
+          <p:cNvPr id="5122" name="Picture 2" descr="vuex"/>
           <p:cNvPicPr>
             <a:picLocks noChangeAspect="1" noChangeArrowheads="1"/>
           </p:cNvPicPr>
           <p:nvPr/>
         </p:nvPicPr>
         <p:blipFill>
-          <a:blip r:embed="rId2">
+          <a:blip r:embed="rId1">
             <a:extLst>
               <a:ext uri="{28A0092B-C50C-407E-A947-70E740481C1C}">
                 <a14:useLocalDpi xmlns:a14="http://schemas.microsoft.com/office/drawing/2010/main" val="0"/>
@@ -19139,22 +18667,17 @@
         </p:spPr>
       </p:pic>
     </p:spTree>
-    <p:extLst>
-      <p:ext uri="{BB962C8B-B14F-4D97-AF65-F5344CB8AC3E}">
-        <p14:creationId xmlns:p14="http://schemas.microsoft.com/office/powerpoint/2010/main" val="2459445133"/>
-      </p:ext>
-    </p:extLst>
   </p:cSld>
   <p:clrMapOvr>
     <a:masterClrMapping/>
   </p:clrMapOvr>
-  <mc:AlternateContent xmlns:mc="http://schemas.openxmlformats.org/markup-compatibility/2006" xmlns:p14="http://schemas.microsoft.com/office/powerpoint/2010/main">
-    <mc:Choice Requires="p14">
+  <mc:AlternateContent xmlns:mc="http://schemas.openxmlformats.org/markup-compatibility/2006">
+    <mc:Choice xmlns:p14="http://schemas.microsoft.com/office/powerpoint/2010/main" Requires="p14">
       <p:transition spd="med" p14:dur="700">
         <p:fade/>
       </p:transition>
     </mc:Choice>
-    <mc:Fallback xmlns="">
+    <mc:Fallback>
       <p:transition spd="med">
         <p:fade/>
       </p:transition>
@@ -19326,13 +18849,7 @@
       </p:grpSpPr>
       <p:sp>
         <p:nvSpPr>
-          <p:cNvPr id="2" name="标题 1">
-            <a:extLst>
-              <a:ext uri="{FF2B5EF4-FFF2-40B4-BE49-F238E27FC236}">
-                <a16:creationId xmlns:a16="http://schemas.microsoft.com/office/drawing/2014/main" id="{9183B1CC-ED47-42C8-ADCE-58BE3D412A91}"/>
-              </a:ext>
-            </a:extLst>
-          </p:cNvPr>
+          <p:cNvPr id="2" name="标题 1"/>
           <p:cNvSpPr>
             <a:spLocks noGrp="1"/>
           </p:cNvSpPr>
@@ -19349,18 +18866,13 @@
               <a:rPr lang="zh-CN" altLang="en-US"/>
               <a:t>简单的案例</a:t>
             </a:r>
+            <a:endParaRPr lang="zh-CN" altLang="en-US"/>
           </a:p>
         </p:txBody>
       </p:sp>
       <p:sp>
         <p:nvSpPr>
-          <p:cNvPr id="3" name="内容占位符 2">
-            <a:extLst>
-              <a:ext uri="{FF2B5EF4-FFF2-40B4-BE49-F238E27FC236}">
-                <a16:creationId xmlns:a16="http://schemas.microsoft.com/office/drawing/2014/main" id="{2B7E4A67-7284-4DA7-98D0-D5DA5A20488C}"/>
-              </a:ext>
-            </a:extLst>
-          </p:cNvPr>
+          <p:cNvPr id="3" name="内容占位符 2"/>
           <p:cNvSpPr>
             <a:spLocks noGrp="1"/>
           </p:cNvSpPr>
@@ -19409,6 +18921,7 @@
               <a:rPr lang="zh-CN" altLang="en-US"/>
               <a:t>代码：</a:t>
             </a:r>
+            <a:endParaRPr lang="zh-CN" altLang="en-US"/>
           </a:p>
           <a:p>
             <a:pPr lvl="1"/>
@@ -19432,6 +18945,7 @@
               <a:rPr lang="zh-CN" altLang="en-US"/>
               <a:t>文件</a:t>
             </a:r>
+            <a:endParaRPr lang="zh-CN" altLang="en-US"/>
           </a:p>
           <a:p>
             <a:pPr lvl="1"/>
@@ -19447,6 +18961,7 @@
               <a:rPr lang="zh-CN" altLang="en-US"/>
               <a:t>文件中写入如下代码：</a:t>
             </a:r>
+            <a:endParaRPr lang="zh-CN" altLang="en-US"/>
           </a:p>
           <a:p>
             <a:endParaRPr lang="zh-CN" altLang="en-US"/>
@@ -19455,20 +18970,14 @@
       </p:sp>
       <p:pic>
         <p:nvPicPr>
-          <p:cNvPr id="6146" name="Picture 2" descr="img">
-            <a:extLst>
-              <a:ext uri="{FF2B5EF4-FFF2-40B4-BE49-F238E27FC236}">
-                <a16:creationId xmlns:a16="http://schemas.microsoft.com/office/drawing/2014/main" id="{66E95A8E-B8F1-470C-A956-D4F3CF1CAE08}"/>
-              </a:ext>
-            </a:extLst>
-          </p:cNvPr>
+          <p:cNvPr id="6146" name="Picture 2" descr="img"/>
           <p:cNvPicPr>
             <a:picLocks noChangeAspect="1" noChangeArrowheads="1"/>
           </p:cNvPicPr>
           <p:nvPr/>
         </p:nvPicPr>
         <p:blipFill>
-          <a:blip r:embed="rId2">
+          <a:blip r:embed="rId1">
             <a:extLst>
               <a:ext uri="{28A0092B-C50C-407E-A947-70E740481C1C}">
                 <a14:useLocalDpi xmlns:a14="http://schemas.microsoft.com/office/drawing/2010/main" val="0"/>
@@ -19502,20 +19011,14 @@
       </p:pic>
       <p:pic>
         <p:nvPicPr>
-          <p:cNvPr id="5" name="图片 4">
-            <a:extLst>
-              <a:ext uri="{FF2B5EF4-FFF2-40B4-BE49-F238E27FC236}">
-                <a16:creationId xmlns:a16="http://schemas.microsoft.com/office/drawing/2014/main" id="{E7B87906-A514-45AA-A99F-D40B628E5A26}"/>
-              </a:ext>
-            </a:extLst>
-          </p:cNvPr>
+          <p:cNvPr id="5" name="图片 4"/>
           <p:cNvPicPr>
             <a:picLocks noChangeAspect="1"/>
           </p:cNvPicPr>
           <p:nvPr/>
         </p:nvPicPr>
         <p:blipFill>
-          <a:blip r:embed="rId3"/>
+          <a:blip r:embed="rId2"/>
           <a:stretch>
             <a:fillRect/>
           </a:stretch>
@@ -19531,22 +19034,17 @@
         </p:spPr>
       </p:pic>
     </p:spTree>
-    <p:extLst>
-      <p:ext uri="{BB962C8B-B14F-4D97-AF65-F5344CB8AC3E}">
-        <p14:creationId xmlns:p14="http://schemas.microsoft.com/office/powerpoint/2010/main" val="1563117281"/>
-      </p:ext>
-    </p:extLst>
   </p:cSld>
   <p:clrMapOvr>
     <a:masterClrMapping/>
   </p:clrMapOvr>
-  <mc:AlternateContent xmlns:mc="http://schemas.openxmlformats.org/markup-compatibility/2006" xmlns:p14="http://schemas.microsoft.com/office/powerpoint/2010/main">
-    <mc:Choice Requires="p14">
+  <mc:AlternateContent xmlns:mc="http://schemas.openxmlformats.org/markup-compatibility/2006">
+    <mc:Choice xmlns:p14="http://schemas.microsoft.com/office/powerpoint/2010/main" Requires="p14">
       <p:transition spd="med" p14:dur="700">
         <p:fade/>
       </p:transition>
     </mc:Choice>
-    <mc:Fallback xmlns="">
+    <mc:Fallback>
       <p:transition spd="med">
         <p:fade/>
       </p:transition>
@@ -19865,13 +19363,7 @@
       </p:grpSpPr>
       <p:sp>
         <p:nvSpPr>
-          <p:cNvPr id="2" name="标题 1">
-            <a:extLst>
-              <a:ext uri="{FF2B5EF4-FFF2-40B4-BE49-F238E27FC236}">
-                <a16:creationId xmlns:a16="http://schemas.microsoft.com/office/drawing/2014/main" id="{7915809A-1C78-4661-92AE-3A9C08CF4D69}"/>
-              </a:ext>
-            </a:extLst>
-          </p:cNvPr>
+          <p:cNvPr id="2" name="标题 1"/>
           <p:cNvSpPr>
             <a:spLocks noGrp="1"/>
           </p:cNvSpPr>
@@ -19896,18 +19388,13 @@
               <a:rPr lang="zh-CN" altLang="en-US"/>
               <a:t>实例中</a:t>
             </a:r>
+            <a:endParaRPr lang="zh-CN" altLang="en-US"/>
           </a:p>
         </p:txBody>
       </p:sp>
       <p:sp>
         <p:nvSpPr>
-          <p:cNvPr id="3" name="内容占位符 2">
-            <a:extLst>
-              <a:ext uri="{FF2B5EF4-FFF2-40B4-BE49-F238E27FC236}">
-                <a16:creationId xmlns:a16="http://schemas.microsoft.com/office/drawing/2014/main" id="{AEFC2AA1-EAD7-4B0E-9DC8-058BC3C7CEE0}"/>
-              </a:ext>
-            </a:extLst>
-          </p:cNvPr>
+          <p:cNvPr id="3" name="内容占位符 2"/>
           <p:cNvSpPr>
             <a:spLocks noGrp="1"/>
           </p:cNvSpPr>
@@ -19940,6 +19427,7 @@
               <a:rPr lang="zh-CN" altLang="en-US"/>
               <a:t>对象</a:t>
             </a:r>
+            <a:endParaRPr lang="zh-CN" altLang="en-US"/>
           </a:p>
           <a:p>
             <a:pPr lvl="1"/>
@@ -19971,6 +19459,7 @@
               <a:rPr lang="zh-CN" altLang="en-US"/>
               <a:t>中</a:t>
             </a:r>
+            <a:endParaRPr lang="zh-CN" altLang="en-US"/>
           </a:p>
           <a:p>
             <a:pPr lvl="1"/>
@@ -20002,6 +19491,7 @@
               <a:rPr lang="zh-CN" altLang="en-US"/>
               <a:t>对象了</a:t>
             </a:r>
+            <a:endParaRPr lang="zh-CN" altLang="en-US"/>
           </a:p>
           <a:p>
             <a:endParaRPr lang="zh-CN" altLang="en-US"/>
@@ -20010,20 +19500,14 @@
       </p:sp>
       <p:pic>
         <p:nvPicPr>
-          <p:cNvPr id="5" name="图片 4">
-            <a:extLst>
-              <a:ext uri="{FF2B5EF4-FFF2-40B4-BE49-F238E27FC236}">
-                <a16:creationId xmlns:a16="http://schemas.microsoft.com/office/drawing/2014/main" id="{7E1103C8-1C91-4A23-B317-9DFEE2C5C9FE}"/>
-              </a:ext>
-            </a:extLst>
-          </p:cNvPr>
+          <p:cNvPr id="5" name="图片 4"/>
           <p:cNvPicPr>
             <a:picLocks noChangeAspect="1"/>
           </p:cNvPicPr>
           <p:nvPr/>
         </p:nvPicPr>
         <p:blipFill>
-          <a:blip r:embed="rId2"/>
+          <a:blip r:embed="rId1"/>
           <a:stretch>
             <a:fillRect/>
           </a:stretch>
@@ -20039,22 +19523,17 @@
         </p:spPr>
       </p:pic>
     </p:spTree>
-    <p:extLst>
-      <p:ext uri="{BB962C8B-B14F-4D97-AF65-F5344CB8AC3E}">
-        <p14:creationId xmlns:p14="http://schemas.microsoft.com/office/powerpoint/2010/main" val="675982234"/>
-      </p:ext>
-    </p:extLst>
   </p:cSld>
   <p:clrMapOvr>
     <a:masterClrMapping/>
   </p:clrMapOvr>
-  <mc:AlternateContent xmlns:mc="http://schemas.openxmlformats.org/markup-compatibility/2006" xmlns:p14="http://schemas.microsoft.com/office/powerpoint/2010/main">
-    <mc:Choice Requires="p14">
+  <mc:AlternateContent xmlns:mc="http://schemas.openxmlformats.org/markup-compatibility/2006">
+    <mc:Choice xmlns:p14="http://schemas.microsoft.com/office/powerpoint/2010/main" Requires="p14">
       <p:transition spd="med" p14:dur="700">
         <p:fade/>
       </p:transition>
     </mc:Choice>
-    <mc:Fallback xmlns="">
+    <mc:Fallback>
       <p:transition spd="med">
         <p:fade/>
       </p:transition>
@@ -20238,6 +19717,13 @@
     </p:tnLst>
   </p:timing>
 </p:sld>
+</file>
+
+<file path=ppt/tags/tag1.xml><?xml version="1.0" encoding="utf-8"?>
+<p:tagLst xmlns:p="http://schemas.openxmlformats.org/presentationml/2006/main">
+  <p:tag name="KSO_WPP_MARK_KEY" val="b1059988-1836-4901-9d6f-93d4aed65a18"/>
+  <p:tag name="COMMONDATA" val="eyJoZGlkIjoiNzJlZjdhYTAzMDEyZWY0ZTg2NTNiNjJlZDk3ZDA5NjYifQ=="/>
+</p:tagLst>
 </file>
 
 <file path=ppt/theme/theme1.xml><?xml version="1.0" encoding="utf-8"?>
@@ -20491,11 +19977,9 @@
       </a:bgFillStyleLst>
     </a:fmtScheme>
   </a:themeElements>
-  <a:objectDefaults/>
-  <a:extraClrSchemeLst/>
   <a:extLst>
     <a:ext uri="{05A4C25C-085E-4340-85A3-A5531E510DB2}">
-      <thm15:themeFamily xmlns:thm15="http://schemas.microsoft.com/office/thememl/2012/main" name="vuejs" id="{F3B9D64C-862B-734E-89D2-07FA0BE8D26A}" vid="{81A39E34-09CC-9E43-929B-BF54537687ED}"/>
+      <thm15:themeFamily xmlns:thm15="http://schemas.microsoft.com/office/thememl/2012/main" name="Office Theme" id="{62F939B6-93AF-4DB8-9C6B-D6C7DFDC589F}" vid="{4A3C46E8-61CC-4603-A589-7422A47A8E4A}"/>
     </a:ext>
   </a:extLst>
 </a:theme>
